--- a/slides/exolunch_handout_0505.pptx
+++ b/slides/exolunch_handout_0505.pptx
@@ -3382,11 +3382,7 @@
               </a:r>
               <a:r>
                 <a:rPr lang="en-US" sz="1200" b="1" dirty="0" smtClean="0"/>
-                <a:t>embedded in a gas </a:t>
-              </a:r>
-              <a:r>
-                <a:rPr lang="en-US" sz="1200" b="1" dirty="0" smtClean="0"/>
-                <a:t>disk</a:t>
+                <a:t>embedded in a gas disk</a:t>
               </a:r>
             </a:p>
             <a:p>
@@ -3411,7 +3407,6 @@
                 <a:rPr lang="en-US" sz="1200" b="1" dirty="0" smtClean="0"/>
                 <a:t>fixed mass</a:t>
               </a:r>
-              <a:endParaRPr lang="en-US" sz="1200" b="1" dirty="0" smtClean="0"/>
             </a:p>
             <a:p>
               <a:pPr marL="171450" indent="-171450" algn="just">
@@ -3435,7 +3430,6 @@
                 <a:rPr lang="en-US" sz="1200" dirty="0" smtClean="0"/>
                 <a:t> region</a:t>
               </a:r>
-              <a:endParaRPr lang="en-US" sz="1200" dirty="0" smtClean="0"/>
             </a:p>
           </p:txBody>
         </p:sp>
@@ -4702,7 +4696,7 @@
         </p:nvSpPr>
         <p:spPr>
           <a:xfrm>
-            <a:off x="4170604" y="6343337"/>
+            <a:off x="3914861" y="4240782"/>
             <a:ext cx="5116817" cy="3995505"/>
           </a:xfrm>
           <a:prstGeom prst="rect">

--- a/slides/exolunch_handout_0505.pptx
+++ b/slides/exolunch_handout_0505.pptx
@@ -8,7 +8,7 @@
     <p:sldId id="256" r:id="rId2"/>
     <p:sldId id="258" r:id="rId3"/>
   </p:sldIdLst>
-  <p:sldSz cx="9144000" cy="6858000" type="screen4x3"/>
+  <p:sldSz cx="6858000" cy="9144000" type="screen4x3"/>
   <p:notesSz cx="6858000" cy="9144000"/>
   <p:defaultTextStyle>
     <a:defPPr>
@@ -137,8 +137,8 @@
         </p:nvSpPr>
         <p:spPr>
           <a:xfrm>
-            <a:off x="685800" y="2130426"/>
-            <a:ext cx="7772400" cy="1470025"/>
+            <a:off x="514350" y="2840569"/>
+            <a:ext cx="5829300" cy="1960033"/>
           </a:xfrm>
         </p:spPr>
         <p:txBody>
@@ -165,8 +165,8 @@
         </p:nvSpPr>
         <p:spPr>
           <a:xfrm>
-            <a:off x="1371600" y="3886200"/>
-            <a:ext cx="6400800" cy="1752600"/>
+            <a:off x="1028700" y="5181600"/>
+            <a:ext cx="4800600" cy="2336800"/>
           </a:xfrm>
         </p:spPr>
         <p:txBody>
@@ -549,8 +549,8 @@
         </p:nvSpPr>
         <p:spPr>
           <a:xfrm>
-            <a:off x="4972049" y="366713"/>
-            <a:ext cx="1543051" cy="7800975"/>
+            <a:off x="3729037" y="488951"/>
+            <a:ext cx="1157288" cy="10401300"/>
           </a:xfrm>
         </p:spPr>
         <p:txBody>
@@ -577,8 +577,8 @@
         </p:nvSpPr>
         <p:spPr>
           <a:xfrm>
-            <a:off x="342901" y="366713"/>
-            <a:ext cx="4476751" cy="7800975"/>
+            <a:off x="257176" y="488951"/>
+            <a:ext cx="3357563" cy="10401300"/>
           </a:xfrm>
         </p:spPr>
         <p:txBody>
@@ -899,8 +899,8 @@
         </p:nvSpPr>
         <p:spPr>
           <a:xfrm>
-            <a:off x="722313" y="4406900"/>
-            <a:ext cx="7772400" cy="1362075"/>
+            <a:off x="541735" y="5875867"/>
+            <a:ext cx="5829300" cy="1816100"/>
           </a:xfrm>
         </p:spPr>
         <p:txBody>
@@ -931,8 +931,8 @@
         </p:nvSpPr>
         <p:spPr>
           <a:xfrm>
-            <a:off x="722313" y="2906714"/>
-            <a:ext cx="7772400" cy="1500187"/>
+            <a:off x="541735" y="3875620"/>
+            <a:ext cx="5829300" cy="2000249"/>
           </a:xfrm>
         </p:spPr>
         <p:txBody>
@@ -1168,8 +1168,8 @@
         </p:nvSpPr>
         <p:spPr>
           <a:xfrm>
-            <a:off x="342901" y="2133601"/>
-            <a:ext cx="3009900" cy="6034088"/>
+            <a:off x="257176" y="2844801"/>
+            <a:ext cx="2257425" cy="8045451"/>
           </a:xfrm>
         </p:spPr>
         <p:txBody>
@@ -1253,8 +1253,8 @@
         </p:nvSpPr>
         <p:spPr>
           <a:xfrm>
-            <a:off x="3505201" y="2133601"/>
-            <a:ext cx="3009900" cy="6034088"/>
+            <a:off x="2628901" y="2844801"/>
+            <a:ext cx="2257425" cy="8045451"/>
           </a:xfrm>
         </p:spPr>
         <p:txBody>
@@ -1433,8 +1433,8 @@
         </p:nvSpPr>
         <p:spPr>
           <a:xfrm>
-            <a:off x="457200" y="274638"/>
-            <a:ext cx="8229600" cy="1143000"/>
+            <a:off x="342900" y="366184"/>
+            <a:ext cx="6172200" cy="1524000"/>
           </a:xfrm>
         </p:spPr>
         <p:txBody>
@@ -1465,8 +1465,8 @@
         </p:nvSpPr>
         <p:spPr>
           <a:xfrm>
-            <a:off x="457201" y="1535113"/>
-            <a:ext cx="4040188" cy="639762"/>
+            <a:off x="342901" y="2046817"/>
+            <a:ext cx="3030141" cy="853016"/>
           </a:xfrm>
         </p:spPr>
         <p:txBody>
@@ -1530,8 +1530,8 @@
         </p:nvSpPr>
         <p:spPr>
           <a:xfrm>
-            <a:off x="457201" y="2174875"/>
-            <a:ext cx="4040188" cy="3951288"/>
+            <a:off x="342901" y="2899833"/>
+            <a:ext cx="3030141" cy="5268384"/>
           </a:xfrm>
         </p:spPr>
         <p:txBody>
@@ -1615,8 +1615,8 @@
         </p:nvSpPr>
         <p:spPr>
           <a:xfrm>
-            <a:off x="4645026" y="1535113"/>
-            <a:ext cx="4041775" cy="639762"/>
+            <a:off x="3483770" y="2046817"/>
+            <a:ext cx="3031331" cy="853016"/>
           </a:xfrm>
         </p:spPr>
         <p:txBody>
@@ -1680,8 +1680,8 @@
         </p:nvSpPr>
         <p:spPr>
           <a:xfrm>
-            <a:off x="4645026" y="2174875"/>
-            <a:ext cx="4041775" cy="3951288"/>
+            <a:off x="3483770" y="2899833"/>
+            <a:ext cx="3031331" cy="5268384"/>
           </a:xfrm>
         </p:spPr>
         <p:txBody>
@@ -2073,8 +2073,8 @@
         </p:nvSpPr>
         <p:spPr>
           <a:xfrm>
-            <a:off x="457201" y="273050"/>
-            <a:ext cx="3008313" cy="1162050"/>
+            <a:off x="342901" y="364067"/>
+            <a:ext cx="2256235" cy="1549400"/>
           </a:xfrm>
         </p:spPr>
         <p:txBody>
@@ -2105,8 +2105,8 @@
         </p:nvSpPr>
         <p:spPr>
           <a:xfrm>
-            <a:off x="3575050" y="273051"/>
-            <a:ext cx="5111751" cy="5853113"/>
+            <a:off x="2681288" y="364069"/>
+            <a:ext cx="3833813" cy="7804151"/>
           </a:xfrm>
         </p:spPr>
         <p:txBody>
@@ -2190,8 +2190,8 @@
         </p:nvSpPr>
         <p:spPr>
           <a:xfrm>
-            <a:off x="457201" y="1435101"/>
-            <a:ext cx="3008313" cy="4691063"/>
+            <a:off x="342901" y="1913469"/>
+            <a:ext cx="2256235" cy="6254751"/>
           </a:xfrm>
         </p:spPr>
         <p:txBody>
@@ -2350,8 +2350,8 @@
         </p:nvSpPr>
         <p:spPr>
           <a:xfrm>
-            <a:off x="1792288" y="4800601"/>
-            <a:ext cx="5486400" cy="566738"/>
+            <a:off x="1344216" y="6400801"/>
+            <a:ext cx="4114800" cy="755651"/>
           </a:xfrm>
         </p:spPr>
         <p:txBody>
@@ -2382,8 +2382,8 @@
         </p:nvSpPr>
         <p:spPr>
           <a:xfrm>
-            <a:off x="1792288" y="612775"/>
-            <a:ext cx="5486400" cy="4114800"/>
+            <a:off x="1344216" y="817033"/>
+            <a:ext cx="4114800" cy="5486400"/>
           </a:xfrm>
         </p:spPr>
         <p:txBody>
@@ -2443,8 +2443,8 @@
         </p:nvSpPr>
         <p:spPr>
           <a:xfrm>
-            <a:off x="1792288" y="5367339"/>
-            <a:ext cx="5486400" cy="804862"/>
+            <a:off x="1344216" y="7156452"/>
+            <a:ext cx="4114800" cy="1073149"/>
           </a:xfrm>
         </p:spPr>
         <p:txBody>
@@ -2608,8 +2608,8 @@
         </p:nvSpPr>
         <p:spPr>
           <a:xfrm>
-            <a:off x="457200" y="274638"/>
-            <a:ext cx="8229600" cy="1143000"/>
+            <a:off x="342900" y="366184"/>
+            <a:ext cx="6172200" cy="1524000"/>
           </a:xfrm>
           <a:prstGeom prst="rect">
             <a:avLst/>
@@ -2641,8 +2641,8 @@
         </p:nvSpPr>
         <p:spPr>
           <a:xfrm>
-            <a:off x="457200" y="1600201"/>
-            <a:ext cx="8229600" cy="4525963"/>
+            <a:off x="342900" y="2133602"/>
+            <a:ext cx="6172200" cy="6034617"/>
           </a:xfrm>
           <a:prstGeom prst="rect">
             <a:avLst/>
@@ -2703,8 +2703,8 @@
         </p:nvSpPr>
         <p:spPr>
           <a:xfrm>
-            <a:off x="457200" y="6356351"/>
-            <a:ext cx="2133600" cy="365125"/>
+            <a:off x="342900" y="8475136"/>
+            <a:ext cx="1600200" cy="486833"/>
           </a:xfrm>
           <a:prstGeom prst="rect">
             <a:avLst/>
@@ -2744,8 +2744,8 @@
         </p:nvSpPr>
         <p:spPr>
           <a:xfrm>
-            <a:off x="3124200" y="6356351"/>
-            <a:ext cx="2895600" cy="365125"/>
+            <a:off x="2343150" y="8475136"/>
+            <a:ext cx="2171700" cy="486833"/>
           </a:xfrm>
           <a:prstGeom prst="rect">
             <a:avLst/>
@@ -2781,8 +2781,8 @@
         </p:nvSpPr>
         <p:spPr>
           <a:xfrm>
-            <a:off x="6553200" y="6356351"/>
-            <a:ext cx="2133600" cy="365125"/>
+            <a:off x="4914900" y="8475136"/>
+            <a:ext cx="1600200" cy="486833"/>
           </a:xfrm>
           <a:prstGeom prst="rect">
             <a:avLst/>
@@ -3109,8 +3109,8 @@
         </p:nvSpPr>
         <p:spPr>
           <a:xfrm>
-            <a:off x="124670" y="117770"/>
-            <a:ext cx="9094034" cy="615553"/>
+            <a:off x="93502" y="157028"/>
+            <a:ext cx="6820526" cy="1138773"/>
           </a:xfrm>
           <a:prstGeom prst="rect">
             <a:avLst/>
@@ -3181,8 +3181,8 @@
         </p:nvSpPr>
         <p:spPr>
           <a:xfrm>
-            <a:off x="4406589" y="814775"/>
-            <a:ext cx="4545317" cy="1569660"/>
+            <a:off x="3304942" y="1086367"/>
+            <a:ext cx="3408988" cy="1938992"/>
           </a:xfrm>
           <a:prstGeom prst="rect">
             <a:avLst/>
@@ -3278,10 +3278,10 @@
         </p:nvGrpSpPr>
         <p:grpSpPr>
           <a:xfrm>
-            <a:off x="4571999" y="2228209"/>
-            <a:ext cx="4535445" cy="1263715"/>
+            <a:off x="3429000" y="2970946"/>
+            <a:ext cx="3401584" cy="1789718"/>
             <a:chOff x="5039840" y="732957"/>
-            <a:chExt cx="4028003" cy="1365567"/>
+            <a:chExt cx="4028003" cy="1450474"/>
           </a:xfrm>
         </p:grpSpPr>
         <p:sp>
@@ -3338,7 +3338,7 @@
           <p:spPr>
             <a:xfrm>
               <a:off x="5039840" y="1060964"/>
-              <a:ext cx="3979152" cy="830997"/>
+              <a:ext cx="3979152" cy="1122467"/>
             </a:xfrm>
             <a:prstGeom prst="rect">
               <a:avLst/>
@@ -3442,7 +3442,7 @@
           <p:spPr>
             <a:xfrm>
               <a:off x="5454575" y="762793"/>
-              <a:ext cx="3310350" cy="353943"/>
+              <a:ext cx="3310351" cy="498874"/>
             </a:xfrm>
             <a:prstGeom prst="rect">
               <a:avLst/>
@@ -3486,8 +3486,8 @@
         </p:blipFill>
         <p:spPr>
           <a:xfrm>
-            <a:off x="205737" y="864711"/>
-            <a:ext cx="4200852" cy="1421341"/>
+            <a:off x="154303" y="1152949"/>
+            <a:ext cx="3150639" cy="1895121"/>
           </a:xfrm>
           <a:prstGeom prst="rect">
             <a:avLst/>
@@ -3507,8 +3507,8 @@
         </p:nvSpPr>
         <p:spPr>
           <a:xfrm>
-            <a:off x="1488996" y="820915"/>
-            <a:ext cx="1620128" cy="276999"/>
+            <a:off x="1116747" y="1094554"/>
+            <a:ext cx="1215096" cy="461665"/>
           </a:xfrm>
           <a:prstGeom prst="rect">
             <a:avLst/>
@@ -3551,8 +3551,8 @@
         </p:blipFill>
         <p:spPr>
           <a:xfrm>
-            <a:off x="214070" y="2486457"/>
-            <a:ext cx="2664597" cy="1860988"/>
+            <a:off x="160553" y="3315276"/>
+            <a:ext cx="1998448" cy="2481317"/>
           </a:xfrm>
           <a:prstGeom prst="rect">
             <a:avLst/>
@@ -3586,8 +3586,8 @@
         </p:blipFill>
         <p:spPr>
           <a:xfrm>
-            <a:off x="202537" y="4699337"/>
-            <a:ext cx="2676130" cy="1869044"/>
+            <a:off x="151903" y="6265783"/>
+            <a:ext cx="2007098" cy="2492059"/>
           </a:xfrm>
           <a:prstGeom prst="rect">
             <a:avLst/>
@@ -3607,8 +3607,8 @@
         </p:nvCxnSpPr>
         <p:spPr>
           <a:xfrm>
-            <a:off x="2982124" y="2759401"/>
-            <a:ext cx="706563" cy="836083"/>
+            <a:off x="2236594" y="3679202"/>
+            <a:ext cx="529922" cy="1114777"/>
           </a:xfrm>
           <a:prstGeom prst="straightConnector1">
             <a:avLst/>
@@ -3644,8 +3644,8 @@
         </p:nvSpPr>
         <p:spPr>
           <a:xfrm>
-            <a:off x="2878667" y="2822222"/>
-            <a:ext cx="1338395" cy="369332"/>
+            <a:off x="2159001" y="3762963"/>
+            <a:ext cx="1003796" cy="646331"/>
           </a:xfrm>
           <a:prstGeom prst="rect">
             <a:avLst/>
@@ -3698,8 +3698,8 @@
         </p:blipFill>
         <p:spPr>
           <a:xfrm>
-            <a:off x="4571999" y="4347445"/>
-            <a:ext cx="1719152" cy="758474"/>
+            <a:off x="3428999" y="5796593"/>
+            <a:ext cx="1289364" cy="1011299"/>
           </a:xfrm>
           <a:prstGeom prst="rect">
             <a:avLst/>
@@ -3722,8 +3722,8 @@
         </p:nvSpPr>
         <p:spPr>
           <a:xfrm>
-            <a:off x="4642554" y="5105919"/>
-            <a:ext cx="2709056" cy="1200329"/>
+            <a:off x="3481916" y="6807893"/>
+            <a:ext cx="2031792" cy="1754327"/>
           </a:xfrm>
           <a:prstGeom prst="rect">
             <a:avLst/>
@@ -3828,8 +3828,8 @@
         </p:nvSpPr>
         <p:spPr>
           <a:xfrm>
-            <a:off x="124670" y="76547"/>
-            <a:ext cx="8943173" cy="600164"/>
+            <a:off x="93503" y="102063"/>
+            <a:ext cx="6707380" cy="854080"/>
           </a:xfrm>
           <a:prstGeom prst="rect">
             <a:avLst/>
@@ -3907,10 +3907,10 @@
         </p:nvGrpSpPr>
         <p:grpSpPr>
           <a:xfrm>
-            <a:off x="185754" y="517746"/>
-            <a:ext cx="8436135" cy="3602698"/>
+            <a:off x="139316" y="690328"/>
+            <a:ext cx="6327101" cy="4935312"/>
             <a:chOff x="143422" y="1350296"/>
-            <a:chExt cx="9143999" cy="3801676"/>
+            <a:chExt cx="9143999" cy="3905918"/>
           </a:xfrm>
         </p:grpSpPr>
         <p:sp>
@@ -3967,9 +3967,9 @@
           <p:grpSpPr>
             <a:xfrm>
               <a:off x="143422" y="1420709"/>
-              <a:ext cx="9143999" cy="3707654"/>
+              <a:ext cx="9143999" cy="3778089"/>
               <a:chOff x="74705" y="3032829"/>
-              <a:chExt cx="9143999" cy="3707654"/>
+              <a:chExt cx="9143999" cy="3778089"/>
             </a:xfrm>
           </p:grpSpPr>
           <p:grpSp>
@@ -4056,7 +4056,7 @@
             <p:spPr>
               <a:xfrm>
                 <a:off x="2263667" y="3326278"/>
-                <a:ext cx="1117557" cy="246221"/>
+                <a:ext cx="1117557" cy="438447"/>
               </a:xfrm>
               <a:prstGeom prst="rect">
                 <a:avLst/>
@@ -4160,7 +4160,7 @@
             <p:spPr>
               <a:xfrm>
                 <a:off x="3865651" y="3338967"/>
-                <a:ext cx="838419" cy="246221"/>
+                <a:ext cx="838419" cy="438447"/>
               </a:xfrm>
               <a:prstGeom prst="rect">
                 <a:avLst/>
@@ -4192,7 +4192,7 @@
             <p:spPr>
               <a:xfrm flipV="1">
                 <a:off x="1010125" y="5082574"/>
-                <a:ext cx="1331675" cy="1398631"/>
+                <a:ext cx="1331676" cy="1398631"/>
               </a:xfrm>
               <a:prstGeom prst="straightConnector1">
                 <a:avLst/>
@@ -4229,7 +4229,7 @@
             <p:spPr>
               <a:xfrm>
                 <a:off x="649668" y="6481205"/>
-                <a:ext cx="720913" cy="246221"/>
+                <a:ext cx="720913" cy="316656"/>
               </a:xfrm>
               <a:prstGeom prst="rect">
                 <a:avLst/>
@@ -4332,8 +4332,8 @@
             </p:nvSpPr>
             <p:spPr>
               <a:xfrm>
-                <a:off x="3406534" y="6494262"/>
-                <a:ext cx="2054338" cy="246221"/>
+                <a:off x="3406535" y="6494262"/>
+                <a:ext cx="2054338" cy="316656"/>
               </a:xfrm>
               <a:prstGeom prst="rect">
                 <a:avLst/>
@@ -4443,7 +4443,7 @@
             <p:spPr>
               <a:xfrm>
                 <a:off x="4704070" y="3326817"/>
-                <a:ext cx="888505" cy="246221"/>
+                <a:ext cx="888504" cy="316656"/>
               </a:xfrm>
               <a:prstGeom prst="rect">
                 <a:avLst/>
@@ -4473,7 +4473,7 @@
             <p:spPr>
               <a:xfrm>
                 <a:off x="74705" y="3032829"/>
-                <a:ext cx="9143999" cy="338554"/>
+                <a:ext cx="9143999" cy="456715"/>
               </a:xfrm>
               <a:prstGeom prst="rect">
                 <a:avLst/>
@@ -4622,7 +4622,7 @@
           <p:spPr>
             <a:xfrm>
               <a:off x="1439298" y="4817767"/>
-              <a:ext cx="971219" cy="246221"/>
+              <a:ext cx="971220" cy="438447"/>
             </a:xfrm>
             <a:prstGeom prst="rect">
               <a:avLst/>
@@ -4652,8 +4652,8 @@
         </p:nvSpPr>
         <p:spPr>
           <a:xfrm>
-            <a:off x="143422" y="76547"/>
-            <a:ext cx="8803022" cy="375009"/>
+            <a:off x="107566" y="102063"/>
+            <a:ext cx="6602267" cy="500012"/>
           </a:xfrm>
           <a:prstGeom prst="rect">
             <a:avLst/>
@@ -4696,8 +4696,8 @@
         </p:nvSpPr>
         <p:spPr>
           <a:xfrm>
-            <a:off x="3914861" y="4240782"/>
-            <a:ext cx="5116817" cy="3995505"/>
+            <a:off x="2936146" y="5654377"/>
+            <a:ext cx="3837613" cy="5327340"/>
           </a:xfrm>
           <a:prstGeom prst="rect">
             <a:avLst/>
@@ -4755,8 +4755,8 @@
         </p:blipFill>
         <p:spPr>
           <a:xfrm>
-            <a:off x="146069" y="5954252"/>
-            <a:ext cx="3429656" cy="2578689"/>
+            <a:off x="109552" y="7939003"/>
+            <a:ext cx="2572242" cy="3438252"/>
           </a:xfrm>
           <a:prstGeom prst="rect">
             <a:avLst/>

--- a/slides/exolunch_handout_0505.pptx
+++ b/slides/exolunch_handout_0505.pptx
@@ -289,7 +289,7 @@
           <a:p>
             <a:fld id="{672F54A9-AF41-AF4B-845E-C39B79FC07D9}" type="datetimeFigureOut">
               <a:rPr lang="en-US" smtClean="0"/>
-              <a:t>4/30/15</a:t>
+              <a:t>5/1/15</a:t>
             </a:fld>
             <a:endParaRPr lang="en-US"/>
           </a:p>
@@ -459,7 +459,7 @@
           <a:p>
             <a:fld id="{672F54A9-AF41-AF4B-845E-C39B79FC07D9}" type="datetimeFigureOut">
               <a:rPr lang="en-US" smtClean="0"/>
-              <a:t>4/30/15</a:t>
+              <a:t>5/1/15</a:t>
             </a:fld>
             <a:endParaRPr lang="en-US"/>
           </a:p>
@@ -639,7 +639,7 @@
           <a:p>
             <a:fld id="{672F54A9-AF41-AF4B-845E-C39B79FC07D9}" type="datetimeFigureOut">
               <a:rPr lang="en-US" smtClean="0"/>
-              <a:t>4/30/15</a:t>
+              <a:t>5/1/15</a:t>
             </a:fld>
             <a:endParaRPr lang="en-US"/>
           </a:p>
@@ -809,7 +809,7 @@
           <a:p>
             <a:fld id="{672F54A9-AF41-AF4B-845E-C39B79FC07D9}" type="datetimeFigureOut">
               <a:rPr lang="en-US" smtClean="0"/>
-              <a:t>4/30/15</a:t>
+              <a:t>5/1/15</a:t>
             </a:fld>
             <a:endParaRPr lang="en-US"/>
           </a:p>
@@ -1055,7 +1055,7 @@
           <a:p>
             <a:fld id="{672F54A9-AF41-AF4B-845E-C39B79FC07D9}" type="datetimeFigureOut">
               <a:rPr lang="en-US" smtClean="0"/>
-              <a:t>4/30/15</a:t>
+              <a:t>5/1/15</a:t>
             </a:fld>
             <a:endParaRPr lang="en-US"/>
           </a:p>
@@ -1343,7 +1343,7 @@
           <a:p>
             <a:fld id="{672F54A9-AF41-AF4B-845E-C39B79FC07D9}" type="datetimeFigureOut">
               <a:rPr lang="en-US" smtClean="0"/>
-              <a:t>4/30/15</a:t>
+              <a:t>5/1/15</a:t>
             </a:fld>
             <a:endParaRPr lang="en-US"/>
           </a:p>
@@ -1770,7 +1770,7 @@
           <a:p>
             <a:fld id="{672F54A9-AF41-AF4B-845E-C39B79FC07D9}" type="datetimeFigureOut">
               <a:rPr lang="en-US" smtClean="0"/>
-              <a:t>4/30/15</a:t>
+              <a:t>5/1/15</a:t>
             </a:fld>
             <a:endParaRPr lang="en-US"/>
           </a:p>
@@ -1888,7 +1888,7 @@
           <a:p>
             <a:fld id="{672F54A9-AF41-AF4B-845E-C39B79FC07D9}" type="datetimeFigureOut">
               <a:rPr lang="en-US" smtClean="0"/>
-              <a:t>4/30/15</a:t>
+              <a:t>5/1/15</a:t>
             </a:fld>
             <a:endParaRPr lang="en-US"/>
           </a:p>
@@ -1983,7 +1983,7 @@
           <a:p>
             <a:fld id="{672F54A9-AF41-AF4B-845E-C39B79FC07D9}" type="datetimeFigureOut">
               <a:rPr lang="en-US" smtClean="0"/>
-              <a:t>4/30/15</a:t>
+              <a:t>5/1/15</a:t>
             </a:fld>
             <a:endParaRPr lang="en-US"/>
           </a:p>
@@ -2260,7 +2260,7 @@
           <a:p>
             <a:fld id="{672F54A9-AF41-AF4B-845E-C39B79FC07D9}" type="datetimeFigureOut">
               <a:rPr lang="en-US" smtClean="0"/>
-              <a:t>4/30/15</a:t>
+              <a:t>5/1/15</a:t>
             </a:fld>
             <a:endParaRPr lang="en-US"/>
           </a:p>
@@ -2513,7 +2513,7 @@
           <a:p>
             <a:fld id="{672F54A9-AF41-AF4B-845E-C39B79FC07D9}" type="datetimeFigureOut">
               <a:rPr lang="en-US" smtClean="0"/>
-              <a:t>4/30/15</a:t>
+              <a:t>5/1/15</a:t>
             </a:fld>
             <a:endParaRPr lang="en-US"/>
           </a:p>
@@ -2726,7 +2726,7 @@
           <a:p>
             <a:fld id="{672F54A9-AF41-AF4B-845E-C39B79FC07D9}" type="datetimeFigureOut">
               <a:rPr lang="en-US" smtClean="0"/>
-              <a:t>4/30/15</a:t>
+              <a:t>5/1/15</a:t>
             </a:fld>
             <a:endParaRPr lang="en-US"/>
           </a:p>
@@ -3101,6 +3101,41 @@
           <a:chExt cx="0" cy="0"/>
         </a:xfrm>
       </p:grpSpPr>
+      <p:pic>
+        <p:nvPicPr>
+          <p:cNvPr id="17" name="Picture 16" descr="P_vs_r_SPF1_talk.pdf"/>
+          <p:cNvPicPr>
+            <a:picLocks noChangeAspect="1"/>
+          </p:cNvPicPr>
+          <p:nvPr/>
+        </p:nvPicPr>
+        <p:blipFill>
+          <a:blip r:embed="rId2">
+            <a:extLst>
+              <a:ext uri="{28A0092B-C50C-407E-A947-70E740481C1C}">
+                <a14:useLocalDpi xmlns:a14="http://schemas.microsoft.com/office/drawing/2010/main" val="0"/>
+              </a:ext>
+            </a:extLst>
+          </a:blip>
+          <a:stretch>
+            <a:fillRect/>
+          </a:stretch>
+        </p:blipFill>
+        <p:spPr>
+          <a:xfrm>
+            <a:off x="170511" y="2935459"/>
+            <a:ext cx="2391449" cy="1670218"/>
+          </a:xfrm>
+          <a:prstGeom prst="rect">
+            <a:avLst/>
+          </a:prstGeom>
+          <a:ln w="25400">
+            <a:solidFill>
+              <a:srgbClr val="FF0000"/>
+            </a:solidFill>
+          </a:ln>
+        </p:spPr>
+      </p:pic>
       <p:sp>
         <p:nvSpPr>
           <p:cNvPr id="4" name="TextBox 3"/>
@@ -3110,7 +3145,7 @@
         <p:spPr>
           <a:xfrm>
             <a:off x="93502" y="157028"/>
-            <a:ext cx="6820526" cy="1138773"/>
+            <a:ext cx="6820526" cy="877163"/>
           </a:xfrm>
           <a:prstGeom prst="rect">
             <a:avLst/>
@@ -3123,15 +3158,25 @@
           </a:bodyPr>
           <a:lstStyle/>
           <a:p>
+            <a:pPr algn="ctr"/>
             <a:r>
               <a:rPr lang="en-US" sz="1700" b="1" dirty="0" smtClean="0"/>
-              <a:t>Minimum Core Masses for Giant Planet Formation with Realistic Equations of State and Opacities</a:t>
-            </a:r>
-          </a:p>
-          <a:p>
+              <a:t>Minimum Core Masses for Giant Planet </a:t>
+            </a:r>
+            <a:r>
+              <a:rPr lang="en-US" sz="1700" b="1" dirty="0" smtClean="0"/>
+              <a:t>Formation</a:t>
+            </a:r>
+          </a:p>
+          <a:p>
+            <a:pPr algn="ctr"/>
             <a:r>
               <a:rPr lang="en-US" sz="1700" dirty="0" smtClean="0"/>
-              <a:t>Piso, </a:t>
+              <a:t>Piso</a:t>
+            </a:r>
+            <a:r>
+              <a:rPr lang="en-US" sz="1700" dirty="0" smtClean="0"/>
+              <a:t>, </a:t>
             </a:r>
             <a:r>
               <a:rPr lang="en-US" sz="1700" dirty="0" err="1" smtClean="0"/>
@@ -3147,7 +3192,18 @@
             </a:r>
             <a:r>
               <a:rPr lang="en-US" sz="1700" dirty="0" smtClean="0"/>
-              <a:t>, 2015, in press); Piso </a:t>
+              <a:t>, 2015, </a:t>
+            </a:r>
+            <a:r>
+              <a:rPr lang="en-US" sz="1700" dirty="0" smtClean="0"/>
+              <a:t>800, 82) </a:t>
+            </a:r>
+          </a:p>
+          <a:p>
+            <a:pPr algn="ctr"/>
+            <a:r>
+              <a:rPr lang="en-US" sz="1700" dirty="0" smtClean="0"/>
+              <a:t>Piso </a:t>
             </a:r>
             <a:r>
               <a:rPr lang="en-US" sz="1700" dirty="0"/>
@@ -3181,8 +3237,8 @@
         </p:nvSpPr>
         <p:spPr>
           <a:xfrm>
-            <a:off x="3304942" y="1086367"/>
-            <a:ext cx="3408988" cy="1938992"/>
+            <a:off x="93502" y="1016389"/>
+            <a:ext cx="2908176" cy="2123658"/>
           </a:xfrm>
           <a:prstGeom prst="rect">
             <a:avLst/>
@@ -3278,8 +3334,8 @@
         </p:nvGrpSpPr>
         <p:grpSpPr>
           <a:xfrm>
-            <a:off x="3429000" y="2970946"/>
-            <a:ext cx="3401584" cy="1789718"/>
+            <a:off x="3001678" y="1128983"/>
+            <a:ext cx="3782469" cy="1742331"/>
             <a:chOff x="5039840" y="732957"/>
             <a:chExt cx="4028003" cy="1450474"/>
           </a:xfrm>
@@ -3441,8 +3497,8 @@
           </p:nvSpPr>
           <p:spPr>
             <a:xfrm>
-              <a:off x="5454575" y="762793"/>
-              <a:ext cx="3310351" cy="498874"/>
+              <a:off x="5102501" y="762793"/>
+              <a:ext cx="3916491" cy="260296"/>
             </a:xfrm>
             <a:prstGeom prst="rect">
               <a:avLst/>
@@ -3455,6 +3511,7 @@
             </a:bodyPr>
             <a:lstStyle/>
             <a:p>
+              <a:pPr algn="ctr"/>
               <a:r>
                 <a:rPr lang="en-US" sz="1700" b="1" dirty="0" smtClean="0"/>
                 <a:t>ATMOSPHERIC MODEL SUMMARY</a:t>
@@ -3464,51 +3521,53 @@
           </p:txBody>
         </p:sp>
       </p:grpSp>
-      <p:pic>
-        <p:nvPicPr>
-          <p:cNvPr id="39" name="Picture 38" descr="acc_sketch (2).jpg"/>
-          <p:cNvPicPr>
-            <a:picLocks noChangeAspect="1"/>
-          </p:cNvPicPr>
+      <p:cxnSp>
+        <p:nvCxnSpPr>
+          <p:cNvPr id="11" name="Straight Arrow Connector 10"/>
+          <p:cNvCxnSpPr/>
           <p:nvPr/>
-        </p:nvPicPr>
-        <p:blipFill>
-          <a:blip r:embed="rId2">
-            <a:extLst>
-              <a:ext uri="{28A0092B-C50C-407E-A947-70E740481C1C}">
-                <a14:useLocalDpi xmlns:a14="http://schemas.microsoft.com/office/drawing/2010/main" val="0"/>
-              </a:ext>
-            </a:extLst>
-          </a:blip>
-          <a:stretch>
-            <a:fillRect/>
-          </a:stretch>
-        </p:blipFill>
+        </p:nvCxnSpPr>
         <p:spPr>
           <a:xfrm>
-            <a:off x="154303" y="1152949"/>
-            <a:ext cx="3150639" cy="1895121"/>
-          </a:xfrm>
-          <a:prstGeom prst="rect">
+            <a:off x="2920341" y="3547516"/>
+            <a:ext cx="862984" cy="0"/>
+          </a:xfrm>
+          <a:prstGeom prst="straightConnector1">
             <a:avLst/>
           </a:prstGeom>
-          <a:ln w="25400">
+          <a:ln>
             <a:solidFill>
-              <a:srgbClr val="800000"/>
+              <a:schemeClr val="tx1"/>
             </a:solidFill>
+            <a:tailEnd type="arrow"/>
           </a:ln>
-        </p:spPr>
-      </p:pic>
-      <p:sp>
-        <p:nvSpPr>
-          <p:cNvPr id="6" name="TextBox 5"/>
+          <a:effectLst/>
+        </p:spPr>
+        <p:style>
+          <a:lnRef idx="2">
+            <a:schemeClr val="accent1"/>
+          </a:lnRef>
+          <a:fillRef idx="0">
+            <a:schemeClr val="accent1"/>
+          </a:fillRef>
+          <a:effectRef idx="1">
+            <a:schemeClr val="accent1"/>
+          </a:effectRef>
+          <a:fontRef idx="minor">
+            <a:schemeClr val="tx1"/>
+          </a:fontRef>
+        </p:style>
+      </p:cxnSp>
+      <p:sp>
+        <p:nvSpPr>
+          <p:cNvPr id="19" name="TextBox 18"/>
           <p:cNvSpPr txBox="1"/>
           <p:nvPr/>
         </p:nvSpPr>
         <p:spPr>
           <a:xfrm>
-            <a:off x="1116747" y="1094554"/>
-            <a:ext cx="1215096" cy="461665"/>
+            <a:off x="2881857" y="3201189"/>
+            <a:ext cx="1039067" cy="307777"/>
           </a:xfrm>
           <a:prstGeom prst="rect">
             <a:avLst/>
@@ -3518,20 +3577,38 @@
         <p:txBody>
           <a:bodyPr wrap="square" rtlCol="0">
             <a:spAutoFit/>
+            <a:scene3d>
+              <a:camera prst="orthographicFront">
+                <a:rot lat="0" lon="0" rev="0"/>
+              </a:camera>
+              <a:lightRig rig="threePt" dir="t"/>
+            </a:scene3d>
           </a:bodyPr>
           <a:lstStyle/>
           <a:p>
             <a:r>
-              <a:rPr lang="en-US" sz="1200" dirty="0" smtClean="0"/>
-              <a:t>Core Accretion Model</a:t>
-            </a:r>
-            <a:endParaRPr lang="en-US" sz="1200" dirty="0"/>
+              <a:rPr lang="en-US" sz="1400" b="1" dirty="0" smtClean="0"/>
+              <a:t>L ~ -</a:t>
+            </a:r>
+            <a:r>
+              <a:rPr lang="en-US" sz="1400" b="1" dirty="0" err="1" smtClean="0"/>
+              <a:t>dE</a:t>
+            </a:r>
+            <a:r>
+              <a:rPr lang="en-US" sz="1400" b="1" dirty="0" smtClean="0"/>
+              <a:t>/</a:t>
+            </a:r>
+            <a:r>
+              <a:rPr lang="en-US" sz="1400" b="1" dirty="0" err="1" smtClean="0"/>
+              <a:t>dt</a:t>
+            </a:r>
+            <a:endParaRPr lang="en-US" sz="1400" b="1" dirty="0"/>
           </a:p>
         </p:txBody>
       </p:sp>
       <p:pic>
         <p:nvPicPr>
-          <p:cNvPr id="41" name="Picture 40" descr="P_vs_r_SPF1_talk.pdf"/>
+          <p:cNvPr id="22" name="Picture 21" descr="tplot_SPF1_talk.pdf"/>
           <p:cNvPicPr>
             <a:picLocks noChangeAspect="1"/>
           </p:cNvPicPr>
@@ -3551,8 +3628,8 @@
         </p:blipFill>
         <p:spPr>
           <a:xfrm>
-            <a:off x="160553" y="3315276"/>
-            <a:ext cx="1998448" cy="2481317"/>
+            <a:off x="4156168" y="2935117"/>
+            <a:ext cx="2399621" cy="1675926"/>
           </a:xfrm>
           <a:prstGeom prst="rect">
             <a:avLst/>
@@ -3566,49 +3643,741 @@
       </p:pic>
       <p:pic>
         <p:nvPicPr>
-          <p:cNvPr id="42" name="Picture 41" descr="tplot_SPF1_talk.pdf"/>
-          <p:cNvPicPr>
-            <a:picLocks noChangeAspect="1"/>
-          </p:cNvPicPr>
+          <p:cNvPr id="27" name="Picture 26"/>
+          <p:cNvPicPr/>
           <p:nvPr/>
         </p:nvPicPr>
         <p:blipFill>
-          <a:blip r:embed="rId4">
-            <a:extLst>
-              <a:ext uri="{28A0092B-C50C-407E-A947-70E740481C1C}">
-                <a14:useLocalDpi xmlns:a14="http://schemas.microsoft.com/office/drawing/2010/main" val="0"/>
-              </a:ext>
-            </a:extLst>
-          </a:blip>
+          <a:blip r:embed="rId4"/>
           <a:stretch>
             <a:fillRect/>
           </a:stretch>
         </p:blipFill>
         <p:spPr>
           <a:xfrm>
-            <a:off x="151903" y="6265783"/>
-            <a:ext cx="2007098" cy="2492059"/>
+            <a:off x="2732297" y="3746121"/>
+            <a:ext cx="1282768" cy="564483"/>
+          </a:xfrm>
+          <a:prstGeom prst="rect">
+            <a:avLst/>
+          </a:prstGeom>
+          <a:solidFill>
+            <a:srgbClr val="FFFF00"/>
+          </a:solidFill>
+          <a:ln w="50800">
+            <a:solidFill>
+              <a:srgbClr val="0000FF"/>
+            </a:solidFill>
+          </a:ln>
+        </p:spPr>
+      </p:pic>
+      <p:grpSp>
+        <p:nvGrpSpPr>
+          <p:cNvPr id="15" name="Group 14"/>
+          <p:cNvGrpSpPr/>
+          <p:nvPr/>
+        </p:nvGrpSpPr>
+        <p:grpSpPr>
+          <a:xfrm>
+            <a:off x="397460" y="4741809"/>
+            <a:ext cx="6028275" cy="353582"/>
+            <a:chOff x="285357" y="4741809"/>
+            <a:chExt cx="6009605" cy="353582"/>
+          </a:xfrm>
+        </p:grpSpPr>
+        <p:sp>
+          <p:nvSpPr>
+            <p:cNvPr id="23" name="TextBox 22"/>
+            <p:cNvSpPr txBox="1"/>
+            <p:nvPr/>
+          </p:nvSpPr>
+          <p:spPr>
+            <a:xfrm>
+              <a:off x="285357" y="4741809"/>
+              <a:ext cx="6009605" cy="307777"/>
+            </a:xfrm>
+            <a:prstGeom prst="rect">
+              <a:avLst/>
+            </a:prstGeom>
+            <a:noFill/>
+            <a:ln w="25400">
+              <a:solidFill>
+                <a:srgbClr val="0000FF"/>
+              </a:solidFill>
+            </a:ln>
+          </p:spPr>
+          <p:txBody>
+            <a:bodyPr wrap="square" rtlCol="0">
+              <a:spAutoFit/>
+            </a:bodyPr>
+            <a:lstStyle/>
+            <a:p>
+              <a:pPr algn="just"/>
+              <a:r>
+                <a:rPr lang="en-US" sz="1400" dirty="0" smtClean="0"/>
+                <a:t>        </a:t>
+              </a:r>
+              <a:r>
+                <a:rPr lang="en-US" sz="1400" dirty="0"/>
+                <a:t> </a:t>
+              </a:r>
+              <a:r>
+                <a:rPr lang="en-US" sz="1400" dirty="0" smtClean="0"/>
+                <a:t>  </a:t>
+              </a:r>
+              <a:r>
+                <a:rPr lang="en-US" sz="1400" dirty="0" smtClean="0"/>
+                <a:t>relates </a:t>
+              </a:r>
+              <a:r>
+                <a:rPr lang="en-US" sz="1400" b="1" dirty="0" smtClean="0">
+                  <a:solidFill>
+                    <a:srgbClr val="0000FF"/>
+                  </a:solidFill>
+                </a:rPr>
+                <a:t>P, T, rho </a:t>
+              </a:r>
+              <a:r>
+                <a:rPr lang="en-US" sz="1400" dirty="0" smtClean="0"/>
+                <a:t>=&gt; determines atmospheric profile and </a:t>
+              </a:r>
+              <a:r>
+                <a:rPr lang="en-US" sz="1400" dirty="0" err="1" smtClean="0"/>
+                <a:t>parametrizes</a:t>
+              </a:r>
+              <a:r>
+                <a:rPr lang="en-US" sz="1400" dirty="0" smtClean="0"/>
+                <a:t> </a:t>
+              </a:r>
+              <a:r>
+                <a:rPr lang="en-US" sz="1400" b="1" dirty="0" smtClean="0">
+                  <a:solidFill>
+                    <a:srgbClr val="0000FF"/>
+                  </a:solidFill>
+                </a:rPr>
+                <a:t>EOS</a:t>
+              </a:r>
+              <a:endParaRPr lang="en-US" sz="1400" b="1" dirty="0">
+                <a:solidFill>
+                  <a:srgbClr val="0000FF"/>
+                </a:solidFill>
+              </a:endParaRPr>
+            </a:p>
+          </p:txBody>
+        </p:sp>
+        <p:grpSp>
+          <p:nvGrpSpPr>
+            <p:cNvPr id="35" name="Group 34"/>
+            <p:cNvGrpSpPr/>
+            <p:nvPr/>
+          </p:nvGrpSpPr>
+          <p:grpSpPr>
+            <a:xfrm>
+              <a:off x="369209" y="4787608"/>
+              <a:ext cx="499516" cy="307783"/>
+              <a:chOff x="3046593" y="206782"/>
+              <a:chExt cx="584168" cy="479795"/>
+            </a:xfrm>
+          </p:grpSpPr>
+          <p:sp>
+            <p:nvSpPr>
+              <p:cNvPr id="36" name="Isosceles Triangle 35"/>
+              <p:cNvSpPr/>
+              <p:nvPr/>
+            </p:nvSpPr>
+            <p:spPr>
+              <a:xfrm>
+                <a:off x="3046593" y="236149"/>
+                <a:ext cx="313050" cy="288853"/>
+              </a:xfrm>
+              <a:prstGeom prst="triangle">
+                <a:avLst/>
+              </a:prstGeom>
+              <a:noFill/>
+              <a:ln w="38100">
+                <a:solidFill>
+                  <a:srgbClr val="0000FF"/>
+                </a:solidFill>
+              </a:ln>
+              <a:scene3d>
+                <a:camera prst="orthographicFront">
+                  <a:rot lat="10800000" lon="0" rev="0"/>
+                </a:camera>
+                <a:lightRig rig="threePt" dir="t"/>
+              </a:scene3d>
+            </p:spPr>
+            <p:style>
+              <a:lnRef idx="1">
+                <a:schemeClr val="accent1"/>
+              </a:lnRef>
+              <a:fillRef idx="3">
+                <a:schemeClr val="accent1"/>
+              </a:fillRef>
+              <a:effectRef idx="2">
+                <a:schemeClr val="accent1"/>
+              </a:effectRef>
+              <a:fontRef idx="minor">
+                <a:schemeClr val="lt1"/>
+              </a:fontRef>
+            </p:style>
+            <p:txBody>
+              <a:bodyPr rtlCol="0" anchor="ctr"/>
+              <a:lstStyle/>
+              <a:p>
+                <a:pPr algn="ctr"/>
+                <a:endParaRPr lang="en-US"/>
+              </a:p>
+            </p:txBody>
+          </p:sp>
+          <p:sp>
+            <p:nvSpPr>
+              <p:cNvPr id="37" name="TextBox 36"/>
+              <p:cNvSpPr txBox="1"/>
+              <p:nvPr/>
+            </p:nvSpPr>
+            <p:spPr>
+              <a:xfrm>
+                <a:off x="3177196" y="206782"/>
+                <a:ext cx="453565" cy="479795"/>
+              </a:xfrm>
+              <a:prstGeom prst="rect">
+                <a:avLst/>
+              </a:prstGeom>
+              <a:noFill/>
+              <a:ln>
+                <a:noFill/>
+              </a:ln>
+            </p:spPr>
+            <p:txBody>
+              <a:bodyPr wrap="square" rtlCol="0">
+                <a:spAutoFit/>
+              </a:bodyPr>
+              <a:lstStyle/>
+              <a:p>
+                <a:r>
+                  <a:rPr lang="en-US" sz="1400" dirty="0" smtClean="0">
+                    <a:solidFill>
+                      <a:srgbClr val="0000FF"/>
+                    </a:solidFill>
+                  </a:rPr>
+                  <a:t>ad</a:t>
+                </a:r>
+                <a:endParaRPr lang="en-US" sz="1400" dirty="0">
+                  <a:solidFill>
+                    <a:srgbClr val="0000FF"/>
+                  </a:solidFill>
+                </a:endParaRPr>
+              </a:p>
+            </p:txBody>
+          </p:sp>
+        </p:grpSp>
+      </p:grpSp>
+      <p:sp>
+        <p:nvSpPr>
+          <p:cNvPr id="14" name="Rectangle 13"/>
+          <p:cNvSpPr/>
+          <p:nvPr/>
+        </p:nvSpPr>
+        <p:spPr>
+          <a:xfrm>
+            <a:off x="138784" y="5136982"/>
+            <a:ext cx="6645363" cy="315471"/>
           </a:xfrm>
           <a:prstGeom prst="rect">
             <a:avLst/>
           </a:prstGeom>
           <a:ln w="25400">
             <a:solidFill>
+              <a:srgbClr val="008000"/>
+            </a:solidFill>
+          </a:ln>
+        </p:spPr>
+        <p:txBody>
+          <a:bodyPr wrap="square">
+            <a:spAutoFit/>
+          </a:bodyPr>
+          <a:lstStyle/>
+          <a:p>
+            <a:r>
+              <a:rPr lang="en-US" sz="1450" b="1" dirty="0"/>
+              <a:t>Atmospheric evolution and </a:t>
+            </a:r>
+            <a:r>
+              <a:rPr lang="en-US" sz="1450" b="1" dirty="0" err="1"/>
+              <a:t>M_crit</a:t>
+            </a:r>
+            <a:r>
+              <a:rPr lang="en-US" sz="1450" b="1" dirty="0"/>
+              <a:t> are highly dependent on</a:t>
+            </a:r>
+            <a:r>
+              <a:rPr lang="en-US" sz="1450" b="1" dirty="0">
+                <a:solidFill>
+                  <a:srgbClr val="008000"/>
+                </a:solidFill>
+              </a:rPr>
+              <a:t> </a:t>
+            </a:r>
+            <a:r>
+              <a:rPr lang="en-US" sz="1450" b="1" dirty="0" smtClean="0">
+                <a:solidFill>
+                  <a:srgbClr val="008000"/>
+                </a:solidFill>
+              </a:rPr>
+              <a:t>EOS </a:t>
+            </a:r>
+            <a:r>
+              <a:rPr lang="en-US" sz="1450" b="1" dirty="0"/>
+              <a:t>and </a:t>
+            </a:r>
+            <a:r>
+              <a:rPr lang="en-US" sz="1450" b="1" dirty="0">
+                <a:solidFill>
+                  <a:srgbClr val="008000"/>
+                </a:solidFill>
+              </a:rPr>
+              <a:t>DUST OPACITY</a:t>
+            </a:r>
+            <a:endParaRPr lang="en-US" sz="1450" b="1" dirty="0">
+              <a:solidFill>
+                <a:srgbClr val="008000"/>
+              </a:solidFill>
+            </a:endParaRPr>
+          </a:p>
+        </p:txBody>
+      </p:sp>
+      <p:sp>
+        <p:nvSpPr>
+          <p:cNvPr id="46" name="Rectangle 45"/>
+          <p:cNvSpPr/>
+          <p:nvPr/>
+        </p:nvSpPr>
+        <p:spPr>
+          <a:xfrm>
+            <a:off x="130502" y="5562143"/>
+            <a:ext cx="6650109" cy="3398124"/>
+          </a:xfrm>
+          <a:prstGeom prst="rect">
+            <a:avLst/>
+          </a:prstGeom>
+          <a:noFill/>
+          <a:ln w="25400">
+            <a:solidFill>
               <a:srgbClr val="FF0000"/>
             </a:solidFill>
           </a:ln>
-        </p:spPr>
-      </p:pic>
+          <a:effectLst/>
+        </p:spPr>
+        <p:style>
+          <a:lnRef idx="1">
+            <a:schemeClr val="accent1"/>
+          </a:lnRef>
+          <a:fillRef idx="3">
+            <a:schemeClr val="accent1"/>
+          </a:fillRef>
+          <a:effectRef idx="2">
+            <a:schemeClr val="accent1"/>
+          </a:effectRef>
+          <a:fontRef idx="minor">
+            <a:schemeClr val="lt1"/>
+          </a:fontRef>
+        </p:style>
+        <p:txBody>
+          <a:bodyPr rtlCol="0" anchor="ctr"/>
+          <a:lstStyle/>
+          <a:p>
+            <a:pPr algn="ctr"/>
+            <a:endParaRPr lang="en-US"/>
+          </a:p>
+        </p:txBody>
+      </p:sp>
+      <p:grpSp>
+        <p:nvGrpSpPr>
+          <p:cNvPr id="47" name="Group 46"/>
+          <p:cNvGrpSpPr/>
+          <p:nvPr/>
+        </p:nvGrpSpPr>
+        <p:grpSpPr>
+          <a:xfrm>
+            <a:off x="328441" y="5914623"/>
+            <a:ext cx="6227348" cy="2917434"/>
+            <a:chOff x="687294" y="3363028"/>
+            <a:chExt cx="7457535" cy="3342962"/>
+          </a:xfrm>
+        </p:grpSpPr>
+        <p:pic>
+          <p:nvPicPr>
+            <p:cNvPr id="50" name="Picture 49" descr="delad_S_exolunch.pdf"/>
+            <p:cNvPicPr>
+              <a:picLocks noChangeAspect="1"/>
+            </p:cNvPicPr>
+            <p:nvPr/>
+          </p:nvPicPr>
+          <p:blipFill>
+            <a:blip r:embed="rId5">
+              <a:extLst>
+                <a:ext uri="{28A0092B-C50C-407E-A947-70E740481C1C}">
+                  <a14:useLocalDpi xmlns:a14="http://schemas.microsoft.com/office/drawing/2010/main" val="0"/>
+                </a:ext>
+              </a:extLst>
+            </a:blip>
+            <a:stretch>
+              <a:fillRect/>
+            </a:stretch>
+          </p:blipFill>
+          <p:spPr>
+            <a:xfrm>
+              <a:off x="687294" y="3363028"/>
+              <a:ext cx="3682005" cy="3263901"/>
+            </a:xfrm>
+            <a:prstGeom prst="rect">
+              <a:avLst/>
+            </a:prstGeom>
+          </p:spPr>
+        </p:pic>
+        <p:pic>
+          <p:nvPicPr>
+            <p:cNvPr id="51" name="Picture 50" descr="delad_S_exolunch_3_1.pdf"/>
+            <p:cNvPicPr>
+              <a:picLocks noChangeAspect="1"/>
+            </p:cNvPicPr>
+            <p:nvPr/>
+          </p:nvPicPr>
+          <p:blipFill>
+            <a:blip r:embed="rId6">
+              <a:extLst>
+                <a:ext uri="{28A0092B-C50C-407E-A947-70E740481C1C}">
+                  <a14:useLocalDpi xmlns:a14="http://schemas.microsoft.com/office/drawing/2010/main" val="0"/>
+                </a:ext>
+              </a:extLst>
+            </a:blip>
+            <a:stretch>
+              <a:fillRect/>
+            </a:stretch>
+          </p:blipFill>
+          <p:spPr>
+            <a:xfrm>
+              <a:off x="4360229" y="3442089"/>
+              <a:ext cx="3784600" cy="3263901"/>
+            </a:xfrm>
+            <a:prstGeom prst="rect">
+              <a:avLst/>
+            </a:prstGeom>
+          </p:spPr>
+        </p:pic>
+      </p:grpSp>
+      <p:sp>
+        <p:nvSpPr>
+          <p:cNvPr id="48" name="TextBox 47"/>
+          <p:cNvSpPr txBox="1"/>
+          <p:nvPr/>
+        </p:nvSpPr>
+        <p:spPr>
+          <a:xfrm>
+            <a:off x="106690" y="5646184"/>
+            <a:ext cx="6807338" cy="284693"/>
+          </a:xfrm>
+          <a:prstGeom prst="rect">
+            <a:avLst/>
+          </a:prstGeom>
+          <a:noFill/>
+        </p:spPr>
+        <p:txBody>
+          <a:bodyPr wrap="square" rtlCol="0">
+            <a:spAutoFit/>
+          </a:bodyPr>
+          <a:lstStyle/>
+          <a:p>
+            <a:r>
+              <a:rPr lang="en-US" sz="1250" dirty="0" smtClean="0"/>
+              <a:t>H2 spin isomers       </a:t>
+            </a:r>
+            <a:r>
+              <a:rPr lang="en-US" sz="1250" dirty="0" smtClean="0">
+                <a:solidFill>
+                  <a:srgbClr val="0000FF"/>
+                </a:solidFill>
+              </a:rPr>
+              <a:t>ORTHOHYDROGEN</a:t>
+            </a:r>
+            <a:r>
+              <a:rPr lang="en-US" sz="1250" dirty="0" smtClean="0"/>
+              <a:t> </a:t>
+            </a:r>
+            <a:r>
+              <a:rPr lang="en-US" sz="1250" dirty="0" smtClean="0"/>
+              <a:t>and       </a:t>
+            </a:r>
+            <a:r>
+              <a:rPr lang="en-US" sz="1250" dirty="0" smtClean="0">
+                <a:solidFill>
+                  <a:srgbClr val="0000FF"/>
+                </a:solidFill>
+              </a:rPr>
+              <a:t>PARAHYDROGEN</a:t>
+            </a:r>
+            <a:r>
+              <a:rPr lang="en-US" sz="1250" dirty="0"/>
+              <a:t> </a:t>
+            </a:r>
+            <a:r>
+              <a:rPr lang="en-US" sz="1250" dirty="0" smtClean="0"/>
+              <a:t>in</a:t>
+            </a:r>
+            <a:r>
+              <a:rPr lang="en-US" sz="1250" dirty="0" smtClean="0"/>
+              <a:t> </a:t>
+            </a:r>
+            <a:r>
+              <a:rPr lang="en-US" sz="1250" b="1" dirty="0" smtClean="0"/>
+              <a:t>thermal </a:t>
+            </a:r>
+            <a:r>
+              <a:rPr lang="en-US" sz="1250" b="1" dirty="0" smtClean="0"/>
+              <a:t>equilibrium </a:t>
+            </a:r>
+            <a:r>
+              <a:rPr lang="en-US" sz="1250" dirty="0" smtClean="0"/>
+              <a:t>or </a:t>
+            </a:r>
+            <a:r>
+              <a:rPr lang="en-US" sz="1250" b="1" dirty="0" smtClean="0"/>
+              <a:t>fixed ratio</a:t>
+            </a:r>
+            <a:r>
+              <a:rPr lang="en-US" sz="1250" dirty="0" smtClean="0"/>
+              <a:t>           </a:t>
+            </a:r>
+            <a:endParaRPr lang="en-US" sz="1250" dirty="0"/>
+          </a:p>
+        </p:txBody>
+      </p:sp>
+      <p:grpSp>
+        <p:nvGrpSpPr>
+          <p:cNvPr id="53" name="Group 52"/>
+          <p:cNvGrpSpPr/>
+          <p:nvPr/>
+        </p:nvGrpSpPr>
+        <p:grpSpPr>
+          <a:xfrm rot="10800000">
+            <a:off x="1284302" y="5697644"/>
+            <a:ext cx="118872" cy="216977"/>
+            <a:chOff x="1204358" y="3024299"/>
+            <a:chExt cx="152400" cy="271538"/>
+          </a:xfrm>
+        </p:grpSpPr>
+        <p:cxnSp>
+          <p:nvCxnSpPr>
+            <p:cNvPr id="54" name="Straight Arrow Connector 53"/>
+            <p:cNvCxnSpPr/>
+            <p:nvPr/>
+          </p:nvCxnSpPr>
+          <p:spPr>
+            <a:xfrm>
+              <a:off x="1204358" y="3024299"/>
+              <a:ext cx="0" cy="271538"/>
+            </a:xfrm>
+            <a:prstGeom prst="straightConnector1">
+              <a:avLst/>
+            </a:prstGeom>
+            <a:ln w="38100" cap="flat">
+              <a:solidFill>
+                <a:srgbClr val="0000FF"/>
+              </a:solidFill>
+              <a:round/>
+              <a:headEnd type="none"/>
+              <a:tailEnd type="triangle"/>
+            </a:ln>
+            <a:effectLst/>
+          </p:spPr>
+          <p:style>
+            <a:lnRef idx="2">
+              <a:schemeClr val="accent1"/>
+            </a:lnRef>
+            <a:fillRef idx="0">
+              <a:schemeClr val="accent1"/>
+            </a:fillRef>
+            <a:effectRef idx="1">
+              <a:schemeClr val="accent1"/>
+            </a:effectRef>
+            <a:fontRef idx="minor">
+              <a:schemeClr val="tx1"/>
+            </a:fontRef>
+          </p:style>
+        </p:cxnSp>
+        <p:cxnSp>
+          <p:nvCxnSpPr>
+            <p:cNvPr id="55" name="Straight Arrow Connector 54"/>
+            <p:cNvCxnSpPr/>
+            <p:nvPr/>
+          </p:nvCxnSpPr>
+          <p:spPr>
+            <a:xfrm>
+              <a:off x="1356758" y="3024299"/>
+              <a:ext cx="0" cy="271538"/>
+            </a:xfrm>
+            <a:prstGeom prst="straightConnector1">
+              <a:avLst/>
+            </a:prstGeom>
+            <a:ln w="38100" cap="flat">
+              <a:solidFill>
+                <a:srgbClr val="0000FF"/>
+              </a:solidFill>
+              <a:round/>
+              <a:headEnd type="none"/>
+              <a:tailEnd type="triangle"/>
+            </a:ln>
+            <a:effectLst/>
+          </p:spPr>
+          <p:style>
+            <a:lnRef idx="2">
+              <a:schemeClr val="accent1"/>
+            </a:lnRef>
+            <a:fillRef idx="0">
+              <a:schemeClr val="accent1"/>
+            </a:fillRef>
+            <a:effectRef idx="1">
+              <a:schemeClr val="accent1"/>
+            </a:effectRef>
+            <a:fontRef idx="minor">
+              <a:schemeClr val="tx1"/>
+            </a:fontRef>
+          </p:style>
+        </p:cxnSp>
+      </p:grpSp>
+      <p:grpSp>
+        <p:nvGrpSpPr>
+          <p:cNvPr id="56" name="Group 55"/>
+          <p:cNvGrpSpPr/>
+          <p:nvPr/>
+        </p:nvGrpSpPr>
+        <p:grpSpPr>
+          <a:xfrm>
+            <a:off x="3027136" y="5711421"/>
+            <a:ext cx="118872" cy="219456"/>
+            <a:chOff x="3609591" y="3024299"/>
+            <a:chExt cx="145073" cy="271539"/>
+          </a:xfrm>
+        </p:grpSpPr>
+        <p:cxnSp>
+          <p:nvCxnSpPr>
+            <p:cNvPr id="57" name="Straight Arrow Connector 56"/>
+            <p:cNvCxnSpPr/>
+            <p:nvPr/>
+          </p:nvCxnSpPr>
+          <p:spPr>
+            <a:xfrm rot="10800000">
+              <a:off x="3609591" y="3024299"/>
+              <a:ext cx="0" cy="271538"/>
+            </a:xfrm>
+            <a:prstGeom prst="straightConnector1">
+              <a:avLst/>
+            </a:prstGeom>
+            <a:ln w="38100" cap="flat">
+              <a:solidFill>
+                <a:srgbClr val="0000FF"/>
+              </a:solidFill>
+              <a:round/>
+              <a:headEnd type="none"/>
+              <a:tailEnd type="triangle"/>
+            </a:ln>
+            <a:effectLst/>
+          </p:spPr>
+          <p:style>
+            <a:lnRef idx="2">
+              <a:schemeClr val="accent1"/>
+            </a:lnRef>
+            <a:fillRef idx="0">
+              <a:schemeClr val="accent1"/>
+            </a:fillRef>
+            <a:effectRef idx="1">
+              <a:schemeClr val="accent1"/>
+            </a:effectRef>
+            <a:fontRef idx="minor">
+              <a:schemeClr val="tx1"/>
+            </a:fontRef>
+          </p:style>
+        </p:cxnSp>
+        <p:cxnSp>
+          <p:nvCxnSpPr>
+            <p:cNvPr id="58" name="Straight Arrow Connector 57"/>
+            <p:cNvCxnSpPr/>
+            <p:nvPr/>
+          </p:nvCxnSpPr>
+          <p:spPr>
+            <a:xfrm>
+              <a:off x="3754664" y="3024300"/>
+              <a:ext cx="0" cy="271538"/>
+            </a:xfrm>
+            <a:prstGeom prst="straightConnector1">
+              <a:avLst/>
+            </a:prstGeom>
+            <a:ln w="38100" cap="flat">
+              <a:solidFill>
+                <a:srgbClr val="0000FF"/>
+              </a:solidFill>
+              <a:round/>
+              <a:headEnd type="none"/>
+              <a:tailEnd type="triangle"/>
+            </a:ln>
+            <a:effectLst/>
+          </p:spPr>
+          <p:style>
+            <a:lnRef idx="2">
+              <a:schemeClr val="accent1"/>
+            </a:lnRef>
+            <a:fillRef idx="0">
+              <a:schemeClr val="accent1"/>
+            </a:fillRef>
+            <a:effectRef idx="1">
+              <a:schemeClr val="accent1"/>
+            </a:effectRef>
+            <a:fontRef idx="minor">
+              <a:schemeClr val="tx1"/>
+            </a:fontRef>
+          </p:style>
+        </p:cxnSp>
+      </p:grpSp>
+      <p:sp>
+        <p:nvSpPr>
+          <p:cNvPr id="59" name="TextBox 58"/>
+          <p:cNvSpPr txBox="1"/>
+          <p:nvPr/>
+        </p:nvSpPr>
+        <p:spPr>
+          <a:xfrm>
+            <a:off x="1727844" y="5860509"/>
+            <a:ext cx="1117557" cy="246221"/>
+          </a:xfrm>
+          <a:prstGeom prst="rect">
+            <a:avLst/>
+          </a:prstGeom>
+          <a:noFill/>
+        </p:spPr>
+        <p:txBody>
+          <a:bodyPr wrap="square" rtlCol="0">
+            <a:spAutoFit/>
+          </a:bodyPr>
+          <a:lstStyle/>
+          <a:p>
+            <a:r>
+              <a:rPr lang="en-US" sz="1000" dirty="0" smtClean="0"/>
+              <a:t>H2 dissociation</a:t>
+            </a:r>
+            <a:endParaRPr lang="en-US" sz="1000" dirty="0"/>
+          </a:p>
+        </p:txBody>
+      </p:sp>
       <p:cxnSp>
         <p:nvCxnSpPr>
-          <p:cNvPr id="11" name="Straight Arrow Connector 10"/>
+          <p:cNvPr id="60" name="Straight Arrow Connector 59"/>
           <p:cNvCxnSpPr/>
           <p:nvPr/>
         </p:nvCxnSpPr>
         <p:spPr>
           <a:xfrm>
-            <a:off x="2236594" y="3679202"/>
-            <a:ext cx="529922" cy="1114777"/>
+            <a:off x="2181435" y="6070680"/>
+            <a:ext cx="569157" cy="685977"/>
           </a:xfrm>
           <a:prstGeom prst="straightConnector1">
             <a:avLst/>
@@ -3636,16 +4405,53 @@
           </a:fontRef>
         </p:style>
       </p:cxnSp>
-      <p:sp>
-        <p:nvSpPr>
-          <p:cNvPr id="19" name="TextBox 18"/>
+      <p:cxnSp>
+        <p:nvCxnSpPr>
+          <p:cNvPr id="61" name="Straight Arrow Connector 60"/>
+          <p:cNvCxnSpPr/>
+          <p:nvPr/>
+        </p:nvCxnSpPr>
+        <p:spPr>
+          <a:xfrm flipH="1">
+            <a:off x="2828807" y="6067276"/>
+            <a:ext cx="378665" cy="257765"/>
+          </a:xfrm>
+          <a:prstGeom prst="straightConnector1">
+            <a:avLst/>
+          </a:prstGeom>
+          <a:ln>
+            <a:solidFill>
+              <a:schemeClr val="tx1"/>
+            </a:solidFill>
+            <a:tailEnd type="arrow"/>
+          </a:ln>
+          <a:effectLst/>
+        </p:spPr>
+        <p:style>
+          <a:lnRef idx="2">
+            <a:schemeClr val="accent1"/>
+          </a:lnRef>
+          <a:fillRef idx="0">
+            <a:schemeClr val="accent1"/>
+          </a:fillRef>
+          <a:effectRef idx="1">
+            <a:schemeClr val="accent1"/>
+          </a:effectRef>
+          <a:fontRef idx="minor">
+            <a:schemeClr val="tx1"/>
+          </a:fontRef>
+        </p:style>
+      </p:cxnSp>
+      <p:sp>
+        <p:nvSpPr>
+          <p:cNvPr id="62" name="TextBox 61"/>
           <p:cNvSpPr txBox="1"/>
           <p:nvPr/>
         </p:nvSpPr>
         <p:spPr>
           <a:xfrm>
-            <a:off x="2159001" y="3762963"/>
-            <a:ext cx="1003796" cy="646331"/>
+            <a:off x="3001678" y="5851233"/>
+            <a:ext cx="838419" cy="246221"/>
           </a:xfrm>
           <a:prstGeom prst="rect">
             <a:avLst/>
@@ -3655,85 +4461,143 @@
         <p:txBody>
           <a:bodyPr wrap="square" rtlCol="0">
             <a:spAutoFit/>
-            <a:scene3d>
-              <a:camera prst="orthographicFront">
-                <a:rot lat="0" lon="0" rev="18600000"/>
-              </a:camera>
-              <a:lightRig rig="threePt" dir="t"/>
-            </a:scene3d>
           </a:bodyPr>
           <a:lstStyle/>
           <a:p>
             <a:r>
-              <a:rPr lang="en-US" b="1" dirty="0" smtClean="0"/>
-              <a:t>L ~ -</a:t>
-            </a:r>
-            <a:r>
-              <a:rPr lang="en-US" b="1" dirty="0" err="1" smtClean="0"/>
-              <a:t>dE</a:t>
-            </a:r>
-            <a:r>
-              <a:rPr lang="en-US" b="1" dirty="0" smtClean="0"/>
-              <a:t>/</a:t>
-            </a:r>
-            <a:r>
-              <a:rPr lang="en-US" b="1" dirty="0" err="1" smtClean="0"/>
-              <a:t>dt</a:t>
-            </a:r>
-            <a:endParaRPr lang="en-US" b="1" dirty="0"/>
-          </a:p>
-        </p:txBody>
-      </p:sp>
-      <p:pic>
-        <p:nvPicPr>
-          <p:cNvPr id="52" name="Picture 51"/>
-          <p:cNvPicPr/>
+              <a:rPr lang="en-US" sz="1000" dirty="0" smtClean="0"/>
+              <a:t>H ionization</a:t>
+            </a:r>
+            <a:endParaRPr lang="en-US" sz="1000" dirty="0"/>
+          </a:p>
+        </p:txBody>
+      </p:sp>
+      <p:cxnSp>
+        <p:nvCxnSpPr>
+          <p:cNvPr id="63" name="Straight Arrow Connector 62"/>
+          <p:cNvCxnSpPr/>
           <p:nvPr/>
-        </p:nvPicPr>
-        <p:blipFill>
-          <a:blip r:embed="rId5"/>
-          <a:stretch>
-            <a:fillRect/>
-          </a:stretch>
-        </p:blipFill>
-        <p:spPr>
-          <a:xfrm>
-            <a:off x="3428999" y="5796593"/>
-            <a:ext cx="1289364" cy="1011299"/>
-          </a:xfrm>
-          <a:prstGeom prst="rect">
+        </p:nvCxnSpPr>
+        <p:spPr>
+          <a:xfrm flipV="1">
+            <a:off x="316803" y="7257314"/>
+            <a:ext cx="1331675" cy="1192273"/>
+          </a:xfrm>
+          <a:prstGeom prst="straightConnector1">
             <a:avLst/>
           </a:prstGeom>
-          <a:solidFill>
-            <a:srgbClr val="FFFF00"/>
-          </a:solidFill>
-          <a:ln w="50800">
+          <a:ln>
             <a:solidFill>
-              <a:srgbClr val="0000FF"/>
+              <a:schemeClr val="tx1"/>
             </a:solidFill>
+            <a:tailEnd type="arrow"/>
           </a:ln>
-        </p:spPr>
-      </p:pic>
-      <p:sp>
-        <p:nvSpPr>
-          <p:cNvPr id="23" name="TextBox 22"/>
+          <a:effectLst/>
+        </p:spPr>
+        <p:style>
+          <a:lnRef idx="2">
+            <a:schemeClr val="accent1"/>
+          </a:lnRef>
+          <a:fillRef idx="0">
+            <a:schemeClr val="accent1"/>
+          </a:fillRef>
+          <a:effectRef idx="1">
+            <a:schemeClr val="accent1"/>
+          </a:effectRef>
+          <a:fontRef idx="minor">
+            <a:schemeClr val="tx1"/>
+          </a:fontRef>
+        </p:style>
+      </p:cxnSp>
+      <p:cxnSp>
+        <p:nvCxnSpPr>
+          <p:cNvPr id="64" name="Straight Arrow Connector 63"/>
+          <p:cNvCxnSpPr/>
+          <p:nvPr/>
+        </p:nvCxnSpPr>
+        <p:spPr>
+          <a:xfrm flipH="1" flipV="1">
+            <a:off x="2321028" y="7763656"/>
+            <a:ext cx="871281" cy="999404"/>
+          </a:xfrm>
+          <a:prstGeom prst="straightConnector1">
+            <a:avLst/>
+          </a:prstGeom>
+          <a:ln>
+            <a:solidFill>
+              <a:schemeClr val="tx1"/>
+            </a:solidFill>
+            <a:tailEnd type="arrow"/>
+          </a:ln>
+          <a:effectLst/>
+        </p:spPr>
+        <p:style>
+          <a:lnRef idx="2">
+            <a:schemeClr val="accent1"/>
+          </a:lnRef>
+          <a:fillRef idx="0">
+            <a:schemeClr val="accent1"/>
+          </a:fillRef>
+          <a:effectRef idx="1">
+            <a:schemeClr val="accent1"/>
+          </a:effectRef>
+          <a:fontRef idx="minor">
+            <a:schemeClr val="tx1"/>
+          </a:fontRef>
+        </p:style>
+      </p:cxnSp>
+      <p:cxnSp>
+        <p:nvCxnSpPr>
+          <p:cNvPr id="65" name="Straight Arrow Connector 64"/>
+          <p:cNvCxnSpPr/>
+          <p:nvPr/>
+        </p:nvCxnSpPr>
+        <p:spPr>
+          <a:xfrm flipV="1">
+            <a:off x="3178429" y="7703132"/>
+            <a:ext cx="963859" cy="1052988"/>
+          </a:xfrm>
+          <a:prstGeom prst="straightConnector1">
+            <a:avLst/>
+          </a:prstGeom>
+          <a:ln>
+            <a:solidFill>
+              <a:schemeClr val="tx1"/>
+            </a:solidFill>
+            <a:tailEnd type="arrow"/>
+          </a:ln>
+          <a:effectLst/>
+        </p:spPr>
+        <p:style>
+          <a:lnRef idx="2">
+            <a:schemeClr val="accent1"/>
+          </a:lnRef>
+          <a:fillRef idx="0">
+            <a:schemeClr val="accent1"/>
+          </a:fillRef>
+          <a:effectRef idx="1">
+            <a:schemeClr val="accent1"/>
+          </a:effectRef>
+          <a:fontRef idx="minor">
+            <a:schemeClr val="tx1"/>
+          </a:fontRef>
+        </p:style>
+      </p:cxnSp>
+      <p:sp>
+        <p:nvSpPr>
+          <p:cNvPr id="66" name="TextBox 65"/>
           <p:cNvSpPr txBox="1"/>
           <p:nvPr/>
         </p:nvSpPr>
         <p:spPr>
           <a:xfrm>
-            <a:off x="3481916" y="6807893"/>
-            <a:ext cx="2031792" cy="1754327"/>
+            <a:off x="2268306" y="8711125"/>
+            <a:ext cx="2054338" cy="246221"/>
           </a:xfrm>
           <a:prstGeom prst="rect">
             <a:avLst/>
           </a:prstGeom>
           <a:noFill/>
-          <a:ln w="25400">
-            <a:solidFill>
-              <a:srgbClr val="0000FF"/>
-            </a:solidFill>
-          </a:ln>
         </p:spPr>
         <p:txBody>
           <a:bodyPr wrap="square" rtlCol="0">
@@ -3741,52 +4605,399 @@
           </a:bodyPr>
           <a:lstStyle/>
           <a:p>
-            <a:pPr algn="just"/>
-            <a:r>
-              <a:rPr lang="en-US" b="1" dirty="0" smtClean="0">
+            <a:r>
+              <a:rPr lang="en-US" sz="1000" dirty="0" smtClean="0"/>
+              <a:t>Partially excited H2 rotational states</a:t>
+            </a:r>
+            <a:endParaRPr lang="en-US" sz="1000" dirty="0"/>
+          </a:p>
+        </p:txBody>
+      </p:sp>
+      <p:cxnSp>
+        <p:nvCxnSpPr>
+          <p:cNvPr id="68" name="Straight Arrow Connector 67"/>
+          <p:cNvCxnSpPr/>
+          <p:nvPr/>
+        </p:nvCxnSpPr>
+        <p:spPr>
+          <a:xfrm>
+            <a:off x="4648462" y="6070680"/>
+            <a:ext cx="968708" cy="1076072"/>
+          </a:xfrm>
+          <a:prstGeom prst="straightConnector1">
+            <a:avLst/>
+          </a:prstGeom>
+          <a:ln>
+            <a:solidFill>
+              <a:schemeClr val="tx1">
+                <a:lumMod val="65000"/>
+                <a:lumOff val="35000"/>
+              </a:schemeClr>
+            </a:solidFill>
+            <a:tailEnd type="arrow"/>
+          </a:ln>
+          <a:effectLst/>
+        </p:spPr>
+        <p:style>
+          <a:lnRef idx="2">
+            <a:schemeClr val="accent1"/>
+          </a:lnRef>
+          <a:fillRef idx="0">
+            <a:schemeClr val="accent1"/>
+          </a:fillRef>
+          <a:effectRef idx="1">
+            <a:schemeClr val="accent1"/>
+          </a:effectRef>
+          <a:fontRef idx="minor">
+            <a:schemeClr val="tx1"/>
+          </a:fontRef>
+        </p:style>
+      </p:cxnSp>
+      <p:sp>
+        <p:nvSpPr>
+          <p:cNvPr id="69" name="TextBox 68"/>
+          <p:cNvSpPr txBox="1"/>
+          <p:nvPr/>
+        </p:nvSpPr>
+        <p:spPr>
+          <a:xfrm>
+            <a:off x="4322644" y="5860509"/>
+            <a:ext cx="888505" cy="246221"/>
+          </a:xfrm>
+          <a:prstGeom prst="rect">
+            <a:avLst/>
+          </a:prstGeom>
+          <a:noFill/>
+        </p:spPr>
+        <p:txBody>
+          <a:bodyPr wrap="square" rtlCol="0">
+            <a:spAutoFit/>
+          </a:bodyPr>
+          <a:lstStyle/>
+          <a:p>
+            <a:r>
+              <a:rPr lang="en-US" sz="1000" dirty="0" smtClean="0"/>
+              <a:t>Saumon+95</a:t>
+            </a:r>
+            <a:endParaRPr lang="en-US" sz="1000" dirty="0"/>
+          </a:p>
+        </p:txBody>
+      </p:sp>
+      <p:cxnSp>
+        <p:nvCxnSpPr>
+          <p:cNvPr id="70" name="Straight Arrow Connector 69"/>
+          <p:cNvCxnSpPr/>
+          <p:nvPr/>
+        </p:nvCxnSpPr>
+        <p:spPr>
+          <a:xfrm flipV="1">
+            <a:off x="1471179" y="7492587"/>
+            <a:ext cx="469779" cy="1186131"/>
+          </a:xfrm>
+          <a:prstGeom prst="straightConnector1">
+            <a:avLst/>
+          </a:prstGeom>
+          <a:ln>
+            <a:solidFill>
+              <a:schemeClr val="tx1">
+                <a:lumMod val="65000"/>
+                <a:lumOff val="35000"/>
+              </a:schemeClr>
+            </a:solidFill>
+            <a:tailEnd type="arrow"/>
+          </a:ln>
+          <a:effectLst/>
+        </p:spPr>
+        <p:style>
+          <a:lnRef idx="2">
+            <a:schemeClr val="accent1"/>
+          </a:lnRef>
+          <a:fillRef idx="0">
+            <a:schemeClr val="accent1"/>
+          </a:fillRef>
+          <a:effectRef idx="1">
+            <a:schemeClr val="accent1"/>
+          </a:effectRef>
+          <a:fontRef idx="minor">
+            <a:schemeClr val="tx1"/>
+          </a:fontRef>
+        </p:style>
+      </p:cxnSp>
+      <p:sp>
+        <p:nvSpPr>
+          <p:cNvPr id="74" name="TextBox 73"/>
+          <p:cNvSpPr txBox="1"/>
+          <p:nvPr/>
+        </p:nvSpPr>
+        <p:spPr>
+          <a:xfrm>
+            <a:off x="84111" y="8432497"/>
+            <a:ext cx="720913" cy="246221"/>
+          </a:xfrm>
+          <a:prstGeom prst="rect">
+            <a:avLst/>
+          </a:prstGeom>
+          <a:noFill/>
+        </p:spPr>
+        <p:txBody>
+          <a:bodyPr wrap="square" rtlCol="0">
+            <a:spAutoFit/>
+          </a:bodyPr>
+          <a:lstStyle/>
+          <a:p>
+            <a:r>
+              <a:rPr lang="en-US" sz="1000" dirty="0" smtClean="0"/>
+              <a:t>Ideal gas</a:t>
+            </a:r>
+            <a:endParaRPr lang="en-US" sz="1000" dirty="0"/>
+          </a:p>
+        </p:txBody>
+      </p:sp>
+      <p:sp>
+        <p:nvSpPr>
+          <p:cNvPr id="77" name="TextBox 76"/>
+          <p:cNvSpPr txBox="1"/>
+          <p:nvPr/>
+        </p:nvSpPr>
+        <p:spPr>
+          <a:xfrm>
+            <a:off x="873519" y="8667201"/>
+            <a:ext cx="1059309" cy="246221"/>
+          </a:xfrm>
+          <a:prstGeom prst="rect">
+            <a:avLst/>
+          </a:prstGeom>
+          <a:noFill/>
+        </p:spPr>
+        <p:txBody>
+          <a:bodyPr wrap="square" rtlCol="0">
+            <a:spAutoFit/>
+          </a:bodyPr>
+          <a:lstStyle/>
+          <a:p>
+            <a:r>
+              <a:rPr lang="en-US" sz="1000" dirty="0" smtClean="0"/>
+              <a:t>Our extension</a:t>
+            </a:r>
+            <a:endParaRPr lang="en-US" sz="1000" b="1" dirty="0">
+              <a:solidFill>
+                <a:srgbClr val="0000FF"/>
+              </a:solidFill>
+            </a:endParaRPr>
+          </a:p>
+        </p:txBody>
+      </p:sp>
+      <p:sp>
+        <p:nvSpPr>
+          <p:cNvPr id="84" name="TextBox 83"/>
+          <p:cNvSpPr txBox="1"/>
+          <p:nvPr/>
+        </p:nvSpPr>
+        <p:spPr>
+          <a:xfrm>
+            <a:off x="985107" y="6259350"/>
+            <a:ext cx="1315398" cy="646331"/>
+          </a:xfrm>
+          <a:prstGeom prst="rect">
+            <a:avLst/>
+          </a:prstGeom>
+          <a:noFill/>
+        </p:spPr>
+        <p:txBody>
+          <a:bodyPr wrap="square" rtlCol="0">
+            <a:spAutoFit/>
+          </a:bodyPr>
+          <a:lstStyle/>
+          <a:p>
+            <a:r>
+              <a:rPr lang="en-US" dirty="0" smtClean="0">
                 <a:solidFill>
                   <a:srgbClr val="0000FF"/>
                 </a:solidFill>
               </a:rPr>
-              <a:t>Adiabatic gradient </a:t>
-            </a:r>
-            <a:r>
-              <a:rPr lang="en-US" dirty="0" smtClean="0"/>
-              <a:t>relates </a:t>
-            </a:r>
-            <a:r>
-              <a:rPr lang="en-US" b="1" dirty="0" smtClean="0">
+              <a:t>Ortho-</a:t>
+            </a:r>
+            <a:r>
+              <a:rPr lang="en-US" dirty="0" err="1" smtClean="0">
                 <a:solidFill>
                   <a:srgbClr val="0000FF"/>
                 </a:solidFill>
               </a:rPr>
-              <a:t>P, T, rho </a:t>
-            </a:r>
-            <a:r>
-              <a:rPr lang="en-US" dirty="0" smtClean="0"/>
-              <a:t>=&gt; determines atmospheric profile and </a:t>
-            </a:r>
-            <a:r>
-              <a:rPr lang="en-US" dirty="0" err="1" smtClean="0"/>
-              <a:t>parametrizes</a:t>
-            </a:r>
-            <a:r>
-              <a:rPr lang="en-US" dirty="0" smtClean="0"/>
-              <a:t> </a:t>
-            </a:r>
-            <a:r>
-              <a:rPr lang="en-US" b="1" dirty="0" smtClean="0">
+              <a:t>para</a:t>
+            </a:r>
+            <a:r>
+              <a:rPr lang="en-US" dirty="0" smtClean="0">
                 <a:solidFill>
                   <a:srgbClr val="0000FF"/>
                 </a:solidFill>
               </a:rPr>
-              <a:t>EOS</a:t>
-            </a:r>
-            <a:endParaRPr lang="en-US" b="1" dirty="0">
+              <a:t> equilibrium</a:t>
+            </a:r>
+            <a:endParaRPr lang="en-US" dirty="0">
               <a:solidFill>
                 <a:srgbClr val="0000FF"/>
               </a:solidFill>
             </a:endParaRPr>
+          </a:p>
+        </p:txBody>
+      </p:sp>
+      <p:sp>
+        <p:nvSpPr>
+          <p:cNvPr id="85" name="TextBox 84"/>
+          <p:cNvSpPr txBox="1"/>
+          <p:nvPr/>
+        </p:nvSpPr>
+        <p:spPr>
+          <a:xfrm>
+            <a:off x="3528171" y="6107319"/>
+            <a:ext cx="1315398" cy="923330"/>
+          </a:xfrm>
+          <a:prstGeom prst="rect">
+            <a:avLst/>
+          </a:prstGeom>
+          <a:noFill/>
+        </p:spPr>
+        <p:txBody>
+          <a:bodyPr wrap="square" rtlCol="0">
+            <a:spAutoFit/>
+          </a:bodyPr>
+          <a:lstStyle/>
+          <a:p>
+            <a:r>
+              <a:rPr lang="en-US" dirty="0" smtClean="0">
+                <a:solidFill>
+                  <a:srgbClr val="0000FF"/>
+                </a:solidFill>
+              </a:rPr>
+              <a:t>Fixed 3:1 </a:t>
+            </a:r>
+            <a:r>
+              <a:rPr lang="en-US" dirty="0" err="1" smtClean="0">
+                <a:solidFill>
+                  <a:srgbClr val="0000FF"/>
+                </a:solidFill>
+              </a:rPr>
+              <a:t>ortho</a:t>
+            </a:r>
+            <a:r>
+              <a:rPr lang="en-US" dirty="0" smtClean="0">
+                <a:solidFill>
+                  <a:srgbClr val="0000FF"/>
+                </a:solidFill>
+              </a:rPr>
+              <a:t>-to-</a:t>
+            </a:r>
+            <a:r>
+              <a:rPr lang="en-US" dirty="0" err="1" smtClean="0">
+                <a:solidFill>
+                  <a:srgbClr val="0000FF"/>
+                </a:solidFill>
+              </a:rPr>
+              <a:t>para</a:t>
+            </a:r>
+            <a:r>
+              <a:rPr lang="en-US" dirty="0" smtClean="0">
+                <a:solidFill>
+                  <a:srgbClr val="0000FF"/>
+                </a:solidFill>
+              </a:rPr>
+              <a:t> ratio</a:t>
+            </a:r>
+            <a:endParaRPr lang="en-US" dirty="0">
+              <a:solidFill>
+                <a:srgbClr val="0000FF"/>
+              </a:solidFill>
+            </a:endParaRPr>
+          </a:p>
+        </p:txBody>
+      </p:sp>
+      <p:sp>
+        <p:nvSpPr>
+          <p:cNvPr id="86" name="TextBox 85"/>
+          <p:cNvSpPr txBox="1"/>
+          <p:nvPr/>
+        </p:nvSpPr>
+        <p:spPr>
+          <a:xfrm>
+            <a:off x="168311" y="4354725"/>
+            <a:ext cx="1160889" cy="230832"/>
+          </a:xfrm>
+          <a:prstGeom prst="rect">
+            <a:avLst/>
+          </a:prstGeom>
+          <a:noFill/>
+        </p:spPr>
+        <p:txBody>
+          <a:bodyPr wrap="square" rtlCol="0">
+            <a:spAutoFit/>
+          </a:bodyPr>
+          <a:lstStyle/>
+          <a:p>
+            <a:r>
+              <a:rPr lang="en-US" sz="900" dirty="0" smtClean="0"/>
+              <a:t>a = 10 AU, </a:t>
+            </a:r>
+            <a:r>
+              <a:rPr lang="en-US" sz="900" dirty="0" err="1" smtClean="0"/>
+              <a:t>M</a:t>
+            </a:r>
+            <a:r>
+              <a:rPr lang="en-US" sz="900" baseline="-25000" dirty="0" err="1" smtClean="0"/>
+              <a:t>c</a:t>
+            </a:r>
+            <a:r>
+              <a:rPr lang="en-US" sz="900" dirty="0" smtClean="0"/>
+              <a:t> = 5 M</a:t>
+            </a:r>
+            <a:r>
+              <a:rPr lang="en-US" sz="900" baseline="-25000" dirty="0"/>
+              <a:t>E</a:t>
+            </a:r>
+          </a:p>
+        </p:txBody>
+      </p:sp>
+      <p:sp>
+        <p:nvSpPr>
+          <p:cNvPr id="87" name="TextBox 86"/>
+          <p:cNvSpPr txBox="1"/>
+          <p:nvPr/>
+        </p:nvSpPr>
+        <p:spPr>
+          <a:xfrm>
+            <a:off x="4127505" y="4380211"/>
+            <a:ext cx="1160889" cy="230832"/>
+          </a:xfrm>
+          <a:prstGeom prst="rect">
+            <a:avLst/>
+          </a:prstGeom>
+          <a:noFill/>
+        </p:spPr>
+        <p:txBody>
+          <a:bodyPr wrap="square" rtlCol="0">
+            <a:spAutoFit/>
+          </a:bodyPr>
+          <a:lstStyle/>
+          <a:p>
+            <a:r>
+              <a:rPr lang="en-US" sz="900" dirty="0" smtClean="0"/>
+              <a:t>a = 10 AU, </a:t>
+            </a:r>
+            <a:r>
+              <a:rPr lang="en-US" sz="900" dirty="0" err="1" smtClean="0"/>
+              <a:t>M</a:t>
+            </a:r>
+            <a:r>
+              <a:rPr lang="en-US" sz="900" baseline="-25000" dirty="0" err="1" smtClean="0"/>
+              <a:t>c</a:t>
+            </a:r>
+            <a:r>
+              <a:rPr lang="en-US" sz="900" dirty="0" smtClean="0"/>
+              <a:t> = 5 M</a:t>
+            </a:r>
+            <a:r>
+              <a:rPr lang="en-US" sz="900" baseline="-25000" dirty="0"/>
+              <a:t>E</a:t>
+            </a:r>
           </a:p>
         </p:txBody>
       </p:sp>
@@ -3820,24 +5031,140 @@
           <a:chExt cx="0" cy="0"/>
         </a:xfrm>
       </p:grpSpPr>
-      <p:sp>
-        <p:nvSpPr>
-          <p:cNvPr id="21" name="TextBox 20"/>
+      <p:pic>
+        <p:nvPicPr>
+          <p:cNvPr id="48" name="Picture 47" descr="Mcrit_vs_a_gg.pdf"/>
+          <p:cNvPicPr>
+            <a:picLocks noChangeAspect="1"/>
+          </p:cNvPicPr>
+          <p:nvPr/>
+        </p:nvPicPr>
+        <p:blipFill>
+          <a:blip r:embed="rId2">
+            <a:extLst>
+              <a:ext uri="{28A0092B-C50C-407E-A947-70E740481C1C}">
+                <a14:useLocalDpi xmlns:a14="http://schemas.microsoft.com/office/drawing/2010/main" val="0"/>
+              </a:ext>
+            </a:extLst>
+          </a:blip>
+          <a:stretch>
+            <a:fillRect/>
+          </a:stretch>
+        </p:blipFill>
+        <p:spPr>
+          <a:xfrm>
+            <a:off x="2200030" y="3365067"/>
+            <a:ext cx="4531598" cy="3480566"/>
+          </a:xfrm>
+          <a:prstGeom prst="rect">
+            <a:avLst/>
+          </a:prstGeom>
+        </p:spPr>
+      </p:pic>
+      <p:pic>
+        <p:nvPicPr>
+          <p:cNvPr id="52" name="Picture 51" descr="tco_vs_a_Mc4_comp.pdf"/>
+          <p:cNvPicPr>
+            <a:picLocks noChangeAspect="1"/>
+          </p:cNvPicPr>
+          <p:nvPr/>
+        </p:nvPicPr>
+        <p:blipFill>
+          <a:blip r:embed="rId3">
+            <a:extLst>
+              <a:ext uri="{28A0092B-C50C-407E-A947-70E740481C1C}">
+                <a14:useLocalDpi xmlns:a14="http://schemas.microsoft.com/office/drawing/2010/main" val="0"/>
+              </a:ext>
+            </a:extLst>
+          </a:blip>
+          <a:stretch>
+            <a:fillRect/>
+          </a:stretch>
+        </p:blipFill>
+        <p:spPr>
+          <a:xfrm>
+            <a:off x="0" y="6318331"/>
+            <a:ext cx="3760341" cy="2827325"/>
+          </a:xfrm>
+          <a:prstGeom prst="rect">
+            <a:avLst/>
+          </a:prstGeom>
+        </p:spPr>
+      </p:pic>
+      <p:pic>
+        <p:nvPicPr>
+          <p:cNvPr id="31" name="Picture 30" descr="Mc_vs_a_poly_real_exolunch.pdf"/>
+          <p:cNvPicPr>
+            <a:picLocks noChangeAspect="1"/>
+          </p:cNvPicPr>
+          <p:nvPr/>
+        </p:nvPicPr>
+        <p:blipFill>
+          <a:blip r:embed="rId4">
+            <a:extLst>
+              <a:ext uri="{28A0092B-C50C-407E-A947-70E740481C1C}">
+                <a14:useLocalDpi xmlns:a14="http://schemas.microsoft.com/office/drawing/2010/main" val="0"/>
+              </a:ext>
+            </a:extLst>
+          </a:blip>
+          <a:stretch>
+            <a:fillRect/>
+          </a:stretch>
+        </p:blipFill>
+        <p:spPr>
+          <a:xfrm>
+            <a:off x="2855586" y="583927"/>
+            <a:ext cx="3789739" cy="2849429"/>
+          </a:xfrm>
+          <a:prstGeom prst="rect">
+            <a:avLst/>
+          </a:prstGeom>
+        </p:spPr>
+      </p:pic>
+      <p:sp>
+        <p:nvSpPr>
+          <p:cNvPr id="2" name="Rectangle 1"/>
+          <p:cNvSpPr/>
+          <p:nvPr/>
+        </p:nvSpPr>
+        <p:spPr>
+          <a:xfrm>
+            <a:off x="986319" y="130723"/>
+            <a:ext cx="5363109" cy="369332"/>
+          </a:xfrm>
+          <a:prstGeom prst="rect">
+            <a:avLst/>
+          </a:prstGeom>
+        </p:spPr>
+        <p:txBody>
+          <a:bodyPr wrap="square">
+            <a:spAutoFit/>
+          </a:bodyPr>
+          <a:lstStyle/>
+          <a:p>
+            <a:pPr algn="ctr"/>
+            <a:r>
+              <a:rPr lang="en-US" b="1" dirty="0"/>
+              <a:t>Minimum Core Masses for Giant Planet Formation</a:t>
+            </a:r>
+          </a:p>
+        </p:txBody>
+      </p:sp>
+      <p:sp>
+        <p:nvSpPr>
+          <p:cNvPr id="32" name="TextBox 31"/>
           <p:cNvSpPr txBox="1"/>
           <p:nvPr/>
         </p:nvSpPr>
         <p:spPr>
           <a:xfrm>
-            <a:off x="93503" y="102063"/>
-            <a:ext cx="6707380" cy="854080"/>
+            <a:off x="193088" y="769535"/>
+            <a:ext cx="2752116" cy="2308324"/>
           </a:xfrm>
           <a:prstGeom prst="rect">
             <a:avLst/>
           </a:prstGeom>
           <a:noFill/>
-          <a:ln w="25400">
-            <a:noFill/>
-          </a:ln>
         </p:spPr>
         <p:txBody>
           <a:bodyPr wrap="square" rtlCol="0">
@@ -3845,815 +5172,89 @@
           </a:bodyPr>
           <a:lstStyle/>
           <a:p>
-            <a:r>
-              <a:rPr lang="en-US" sz="1650" b="1" dirty="0" smtClean="0"/>
-              <a:t>Atmospheric evolution and </a:t>
-            </a:r>
-            <a:r>
-              <a:rPr lang="en-US" sz="1650" b="1" dirty="0" err="1" smtClean="0"/>
-              <a:t>M_crit</a:t>
-            </a:r>
-            <a:r>
-              <a:rPr lang="en-US" sz="1650" b="1" dirty="0" smtClean="0"/>
-              <a:t> are highly </a:t>
-            </a:r>
-            <a:r>
-              <a:rPr lang="en-US" sz="1650" b="1" dirty="0"/>
-              <a:t>dependent </a:t>
-            </a:r>
-            <a:r>
-              <a:rPr lang="en-US" sz="1650" b="1" dirty="0" smtClean="0"/>
-              <a:t>on</a:t>
-            </a:r>
-            <a:r>
-              <a:rPr lang="en-US" sz="1650" b="1" dirty="0" smtClean="0">
+            <a:pPr algn="just"/>
+            <a:r>
+              <a:rPr lang="en-US" sz="1600" dirty="0" smtClean="0"/>
+              <a:t>Variations in the adiabatic gradient due to </a:t>
+            </a:r>
+            <a:r>
+              <a:rPr lang="en-US" sz="1600" b="1" dirty="0" smtClean="0"/>
+              <a:t>H2 dissociation</a:t>
+            </a:r>
+            <a:r>
+              <a:rPr lang="en-US" sz="1600" dirty="0" smtClean="0"/>
+              <a:t> and </a:t>
+            </a:r>
+            <a:r>
+              <a:rPr lang="en-US" sz="1600" b="1" dirty="0" smtClean="0"/>
+              <a:t>variable </a:t>
+            </a:r>
+            <a:r>
+              <a:rPr lang="en-US" sz="1600" b="1" dirty="0" smtClean="0"/>
+              <a:t>occupation of H2 </a:t>
+            </a:r>
+            <a:r>
+              <a:rPr lang="en-US" sz="1600" b="1" dirty="0" smtClean="0"/>
+              <a:t>rotational states </a:t>
+            </a:r>
+            <a:r>
+              <a:rPr lang="en-US" sz="1600" dirty="0" smtClean="0">
                 <a:solidFill>
                   <a:srgbClr val="008000"/>
                 </a:solidFill>
               </a:rPr>
-              <a:t> EQUATION </a:t>
-            </a:r>
-            <a:r>
-              <a:rPr lang="en-US" sz="1650" b="1" dirty="0">
+              <a:t>INCREASE</a:t>
+            </a:r>
+            <a:r>
+              <a:rPr lang="en-US" sz="1600" dirty="0" smtClean="0"/>
+              <a:t> </a:t>
+            </a:r>
+            <a:r>
+              <a:rPr lang="en-US" sz="1600" dirty="0" smtClean="0"/>
+              <a:t>the atmospheric evolutionary time when compared to an ideal gas </a:t>
+            </a:r>
+            <a:r>
+              <a:rPr lang="en-US" sz="1600" dirty="0" err="1" smtClean="0"/>
+              <a:t>polytrope</a:t>
+            </a:r>
+            <a:r>
+              <a:rPr lang="en-US" sz="1600" dirty="0" smtClean="0"/>
+              <a:t> =&gt; </a:t>
+            </a:r>
+            <a:r>
+              <a:rPr lang="en-US" sz="1600" b="1" dirty="0" err="1" smtClean="0"/>
+              <a:t>Mcrit</a:t>
+            </a:r>
+            <a:r>
+              <a:rPr lang="en-US" sz="1600" dirty="0" smtClean="0"/>
+              <a:t>  </a:t>
+            </a:r>
+            <a:r>
+              <a:rPr lang="en-US" sz="1600" dirty="0" smtClean="0">
                 <a:solidFill>
                   <a:srgbClr val="008000"/>
                 </a:solidFill>
               </a:rPr>
-              <a:t>OF STATE </a:t>
-            </a:r>
-            <a:r>
-              <a:rPr lang="en-US" sz="1650" b="1" dirty="0"/>
-              <a:t>and </a:t>
-            </a:r>
-            <a:r>
-              <a:rPr lang="en-US" sz="1650" b="1" dirty="0">
-                <a:solidFill>
-                  <a:srgbClr val="008000"/>
-                </a:solidFill>
-              </a:rPr>
-              <a:t>DUST OPACITY</a:t>
-            </a:r>
-          </a:p>
-          <a:p>
-            <a:endParaRPr lang="en-US" sz="1650" dirty="0"/>
-          </a:p>
-        </p:txBody>
-      </p:sp>
-      <p:grpSp>
-        <p:nvGrpSpPr>
-          <p:cNvPr id="10" name="Group 9"/>
-          <p:cNvGrpSpPr/>
-          <p:nvPr/>
-        </p:nvGrpSpPr>
-        <p:grpSpPr>
-          <a:xfrm>
-            <a:off x="139316" y="690328"/>
-            <a:ext cx="6327101" cy="4935312"/>
-            <a:chOff x="143422" y="1350296"/>
-            <a:chExt cx="9143999" cy="3905918"/>
-          </a:xfrm>
-        </p:grpSpPr>
-        <p:sp>
-          <p:nvSpPr>
-            <p:cNvPr id="20" name="Rectangle 19"/>
-            <p:cNvSpPr/>
-            <p:nvPr/>
-          </p:nvSpPr>
-          <p:spPr>
-            <a:xfrm>
-              <a:off x="143422" y="1350296"/>
-              <a:ext cx="8932800" cy="3801676"/>
-            </a:xfrm>
-            <a:prstGeom prst="rect">
-              <a:avLst/>
-            </a:prstGeom>
-            <a:noFill/>
-            <a:ln w="25400">
+              <a:t>INCREASES</a:t>
+            </a:r>
+            <a:endParaRPr lang="en-US" sz="1600" b="1" i="1" dirty="0">
               <a:solidFill>
-                <a:srgbClr val="FF0000"/>
+                <a:srgbClr val="008000"/>
               </a:solidFill>
-            </a:ln>
-            <a:effectLst/>
-          </p:spPr>
-          <p:style>
-            <a:lnRef idx="1">
-              <a:schemeClr val="accent1"/>
-            </a:lnRef>
-            <a:fillRef idx="3">
-              <a:schemeClr val="accent1"/>
-            </a:fillRef>
-            <a:effectRef idx="2">
-              <a:schemeClr val="accent1"/>
-            </a:effectRef>
-            <a:fontRef idx="minor">
-              <a:schemeClr val="lt1"/>
-            </a:fontRef>
-          </p:style>
-          <p:txBody>
-            <a:bodyPr rtlCol="0" anchor="ctr"/>
-            <a:lstStyle/>
-            <a:p>
-              <a:pPr algn="ctr"/>
-              <a:endParaRPr lang="en-US"/>
-            </a:p>
-          </p:txBody>
-        </p:sp>
-        <p:grpSp>
-          <p:nvGrpSpPr>
-            <p:cNvPr id="22" name="Group 21"/>
-            <p:cNvGrpSpPr/>
-            <p:nvPr/>
-          </p:nvGrpSpPr>
-          <p:grpSpPr>
-            <a:xfrm>
-              <a:off x="143422" y="1420709"/>
-              <a:ext cx="9143999" cy="3778089"/>
-              <a:chOff x="74705" y="3032829"/>
-              <a:chExt cx="9143999" cy="3778089"/>
-            </a:xfrm>
-          </p:grpSpPr>
-          <p:grpSp>
-            <p:nvGrpSpPr>
-              <p:cNvPr id="23" name="Group 22"/>
-              <p:cNvGrpSpPr/>
-              <p:nvPr/>
-            </p:nvGrpSpPr>
-            <p:grpSpPr>
-              <a:xfrm>
-                <a:off x="687294" y="3333146"/>
-                <a:ext cx="7457536" cy="3342962"/>
-                <a:chOff x="687294" y="3363028"/>
-                <a:chExt cx="7457536" cy="3342962"/>
-              </a:xfrm>
-            </p:grpSpPr>
-            <p:pic>
-              <p:nvPicPr>
-                <p:cNvPr id="42" name="Picture 41" descr="delad_S_exolunch.pdf"/>
-                <p:cNvPicPr>
-                  <a:picLocks noChangeAspect="1"/>
-                </p:cNvPicPr>
-                <p:nvPr/>
-              </p:nvPicPr>
-              <p:blipFill>
-                <a:blip r:embed="rId2">
-                  <a:extLst>
-                    <a:ext uri="{28A0092B-C50C-407E-A947-70E740481C1C}">
-                      <a14:useLocalDpi xmlns:a14="http://schemas.microsoft.com/office/drawing/2010/main" val="0"/>
-                    </a:ext>
-                  </a:extLst>
-                </a:blip>
-                <a:stretch>
-                  <a:fillRect/>
-                </a:stretch>
-              </p:blipFill>
-              <p:spPr>
-                <a:xfrm>
-                  <a:off x="687294" y="3363028"/>
-                  <a:ext cx="3682005" cy="3263900"/>
-                </a:xfrm>
-                <a:prstGeom prst="rect">
-                  <a:avLst/>
-                </a:prstGeom>
-              </p:spPr>
-            </p:pic>
-            <p:pic>
-              <p:nvPicPr>
-                <p:cNvPr id="45" name="Picture 44" descr="delad_S_exolunch_3_1.pdf"/>
-                <p:cNvPicPr>
-                  <a:picLocks noChangeAspect="1"/>
-                </p:cNvPicPr>
-                <p:nvPr/>
-              </p:nvPicPr>
-              <p:blipFill>
-                <a:blip r:embed="rId3">
-                  <a:extLst>
-                    <a:ext uri="{28A0092B-C50C-407E-A947-70E740481C1C}">
-                      <a14:useLocalDpi xmlns:a14="http://schemas.microsoft.com/office/drawing/2010/main" val="0"/>
-                    </a:ext>
-                  </a:extLst>
-                </a:blip>
-                <a:stretch>
-                  <a:fillRect/>
-                </a:stretch>
-              </p:blipFill>
-              <p:spPr>
-                <a:xfrm>
-                  <a:off x="4360230" y="3442090"/>
-                  <a:ext cx="3784600" cy="3263900"/>
-                </a:xfrm>
-                <a:prstGeom prst="rect">
-                  <a:avLst/>
-                </a:prstGeom>
-              </p:spPr>
-            </p:pic>
-          </p:grpSp>
-          <p:sp>
-            <p:nvSpPr>
-              <p:cNvPr id="24" name="TextBox 23"/>
-              <p:cNvSpPr txBox="1"/>
-              <p:nvPr/>
-            </p:nvSpPr>
-            <p:spPr>
-              <a:xfrm>
-                <a:off x="2263667" y="3326278"/>
-                <a:ext cx="1117557" cy="438447"/>
-              </a:xfrm>
-              <a:prstGeom prst="rect">
-                <a:avLst/>
-              </a:prstGeom>
-              <a:noFill/>
-            </p:spPr>
-            <p:txBody>
-              <a:bodyPr wrap="square" rtlCol="0">
-                <a:spAutoFit/>
-              </a:bodyPr>
-              <a:lstStyle/>
-              <a:p>
-                <a:r>
-                  <a:rPr lang="en-US" sz="1000" dirty="0" smtClean="0"/>
-                  <a:t>H2 dissociation</a:t>
-                </a:r>
-                <a:endParaRPr lang="en-US" sz="1000" dirty="0"/>
-              </a:p>
-            </p:txBody>
-          </p:sp>
-          <p:cxnSp>
-            <p:nvCxnSpPr>
-              <p:cNvPr id="25" name="Straight Arrow Connector 24"/>
-              <p:cNvCxnSpPr/>
-              <p:nvPr/>
-            </p:nvCxnSpPr>
-            <p:spPr>
-              <a:xfrm>
-                <a:off x="2671486" y="3565200"/>
-                <a:ext cx="672410" cy="842036"/>
-              </a:xfrm>
-              <a:prstGeom prst="straightConnector1">
-                <a:avLst/>
-              </a:prstGeom>
-              <a:ln>
-                <a:solidFill>
-                  <a:schemeClr val="tx1"/>
-                </a:solidFill>
-                <a:tailEnd type="arrow"/>
-              </a:ln>
-              <a:effectLst/>
-            </p:spPr>
-            <p:style>
-              <a:lnRef idx="2">
-                <a:schemeClr val="accent1"/>
-              </a:lnRef>
-              <a:fillRef idx="0">
-                <a:schemeClr val="accent1"/>
-              </a:fillRef>
-              <a:effectRef idx="1">
-                <a:schemeClr val="accent1"/>
-              </a:effectRef>
-              <a:fontRef idx="minor">
-                <a:schemeClr val="tx1"/>
-              </a:fontRef>
-            </p:style>
-          </p:cxnSp>
-          <p:cxnSp>
-            <p:nvCxnSpPr>
-              <p:cNvPr id="26" name="Straight Arrow Connector 25"/>
-              <p:cNvCxnSpPr/>
-              <p:nvPr/>
-            </p:nvCxnSpPr>
-            <p:spPr>
-              <a:xfrm flipH="1">
-                <a:off x="3738051" y="3565200"/>
-                <a:ext cx="378665" cy="257765"/>
-              </a:xfrm>
-              <a:prstGeom prst="straightConnector1">
-                <a:avLst/>
-              </a:prstGeom>
-              <a:ln>
-                <a:solidFill>
-                  <a:schemeClr val="tx1"/>
-                </a:solidFill>
-                <a:tailEnd type="arrow"/>
-              </a:ln>
-              <a:effectLst/>
-            </p:spPr>
-            <p:style>
-              <a:lnRef idx="2">
-                <a:schemeClr val="accent1"/>
-              </a:lnRef>
-              <a:fillRef idx="0">
-                <a:schemeClr val="accent1"/>
-              </a:fillRef>
-              <a:effectRef idx="1">
-                <a:schemeClr val="accent1"/>
-              </a:effectRef>
-              <a:fontRef idx="minor">
-                <a:schemeClr val="tx1"/>
-              </a:fontRef>
-            </p:style>
-          </p:cxnSp>
-          <p:sp>
-            <p:nvSpPr>
-              <p:cNvPr id="27" name="TextBox 26"/>
-              <p:cNvSpPr txBox="1"/>
-              <p:nvPr/>
-            </p:nvSpPr>
-            <p:spPr>
-              <a:xfrm>
-                <a:off x="3865651" y="3338967"/>
-                <a:ext cx="838419" cy="438447"/>
-              </a:xfrm>
-              <a:prstGeom prst="rect">
-                <a:avLst/>
-              </a:prstGeom>
-              <a:noFill/>
-            </p:spPr>
-            <p:txBody>
-              <a:bodyPr wrap="square" rtlCol="0">
-                <a:spAutoFit/>
-              </a:bodyPr>
-              <a:lstStyle/>
-              <a:p>
-                <a:r>
-                  <a:rPr lang="en-US" sz="1000" dirty="0" smtClean="0"/>
-                  <a:t>H ionization</a:t>
-                </a:r>
-                <a:endParaRPr lang="en-US" sz="1000" dirty="0"/>
-              </a:p>
-            </p:txBody>
-          </p:sp>
-          <p:cxnSp>
-            <p:nvCxnSpPr>
-              <p:cNvPr id="28" name="Straight Arrow Connector 27"/>
-              <p:cNvCxnSpPr>
-                <a:stCxn id="29" idx="0"/>
-              </p:cNvCxnSpPr>
-              <p:nvPr/>
-            </p:nvCxnSpPr>
-            <p:spPr>
-              <a:xfrm flipV="1">
-                <a:off x="1010125" y="5082574"/>
-                <a:ext cx="1331676" cy="1398631"/>
-              </a:xfrm>
-              <a:prstGeom prst="straightConnector1">
-                <a:avLst/>
-              </a:prstGeom>
-              <a:ln>
-                <a:solidFill>
-                  <a:schemeClr val="tx1"/>
-                </a:solidFill>
-                <a:tailEnd type="arrow"/>
-              </a:ln>
-              <a:effectLst/>
-            </p:spPr>
-            <p:style>
-              <a:lnRef idx="2">
-                <a:schemeClr val="accent1"/>
-              </a:lnRef>
-              <a:fillRef idx="0">
-                <a:schemeClr val="accent1"/>
-              </a:fillRef>
-              <a:effectRef idx="1">
-                <a:schemeClr val="accent1"/>
-              </a:effectRef>
-              <a:fontRef idx="minor">
-                <a:schemeClr val="tx1"/>
-              </a:fontRef>
-            </p:style>
-          </p:cxnSp>
-          <p:sp>
-            <p:nvSpPr>
-              <p:cNvPr id="29" name="TextBox 28"/>
-              <p:cNvSpPr txBox="1"/>
-              <p:nvPr/>
-            </p:nvSpPr>
-            <p:spPr>
-              <a:xfrm>
-                <a:off x="649668" y="6481205"/>
-                <a:ext cx="720913" cy="316656"/>
-              </a:xfrm>
-              <a:prstGeom prst="rect">
-                <a:avLst/>
-              </a:prstGeom>
-              <a:noFill/>
-            </p:spPr>
-            <p:txBody>
-              <a:bodyPr wrap="square" rtlCol="0">
-                <a:spAutoFit/>
-              </a:bodyPr>
-              <a:lstStyle/>
-              <a:p>
-                <a:r>
-                  <a:rPr lang="en-US" sz="1000" dirty="0" smtClean="0"/>
-                  <a:t>Ideal gas</a:t>
-                </a:r>
-                <a:endParaRPr lang="en-US" sz="1000" dirty="0"/>
-              </a:p>
-            </p:txBody>
-          </p:sp>
-          <p:cxnSp>
-            <p:nvCxnSpPr>
-              <p:cNvPr id="30" name="Straight Arrow Connector 29"/>
-              <p:cNvCxnSpPr/>
-              <p:nvPr/>
-            </p:nvCxnSpPr>
-            <p:spPr>
-              <a:xfrm flipH="1" flipV="1">
-                <a:off x="3382667" y="5530167"/>
-                <a:ext cx="871281" cy="999404"/>
-              </a:xfrm>
-              <a:prstGeom prst="straightConnector1">
-                <a:avLst/>
-              </a:prstGeom>
-              <a:ln>
-                <a:solidFill>
-                  <a:schemeClr val="tx1"/>
-                </a:solidFill>
-                <a:tailEnd type="arrow"/>
-              </a:ln>
-              <a:effectLst/>
-            </p:spPr>
-            <p:style>
-              <a:lnRef idx="2">
-                <a:schemeClr val="accent1"/>
-              </a:lnRef>
-              <a:fillRef idx="0">
-                <a:schemeClr val="accent1"/>
-              </a:fillRef>
-              <a:effectRef idx="1">
-                <a:schemeClr val="accent1"/>
-              </a:effectRef>
-              <a:fontRef idx="minor">
-                <a:schemeClr val="tx1"/>
-              </a:fontRef>
-            </p:style>
-          </p:cxnSp>
-          <p:cxnSp>
-            <p:nvCxnSpPr>
-              <p:cNvPr id="33" name="Straight Arrow Connector 32"/>
-              <p:cNvCxnSpPr/>
-              <p:nvPr/>
-            </p:nvCxnSpPr>
-            <p:spPr>
-              <a:xfrm flipV="1">
-                <a:off x="4245207" y="5232391"/>
-                <a:ext cx="796806" cy="1306694"/>
-              </a:xfrm>
-              <a:prstGeom prst="straightConnector1">
-                <a:avLst/>
-              </a:prstGeom>
-              <a:ln>
-                <a:solidFill>
-                  <a:schemeClr val="tx1"/>
-                </a:solidFill>
-                <a:tailEnd type="arrow"/>
-              </a:ln>
-              <a:effectLst/>
-            </p:spPr>
-            <p:style>
-              <a:lnRef idx="2">
-                <a:schemeClr val="accent1"/>
-              </a:lnRef>
-              <a:fillRef idx="0">
-                <a:schemeClr val="accent1"/>
-              </a:fillRef>
-              <a:effectRef idx="1">
-                <a:schemeClr val="accent1"/>
-              </a:effectRef>
-              <a:fontRef idx="minor">
-                <a:schemeClr val="tx1"/>
-              </a:fontRef>
-            </p:style>
-          </p:cxnSp>
-          <p:sp>
-            <p:nvSpPr>
-              <p:cNvPr id="35" name="TextBox 34"/>
-              <p:cNvSpPr txBox="1"/>
-              <p:nvPr/>
-            </p:nvSpPr>
-            <p:spPr>
-              <a:xfrm>
-                <a:off x="3406535" y="6494262"/>
-                <a:ext cx="2054338" cy="316656"/>
-              </a:xfrm>
-              <a:prstGeom prst="rect">
-                <a:avLst/>
-              </a:prstGeom>
-              <a:noFill/>
-            </p:spPr>
-            <p:txBody>
-              <a:bodyPr wrap="square" rtlCol="0">
-                <a:spAutoFit/>
-              </a:bodyPr>
-              <a:lstStyle/>
-              <a:p>
-                <a:r>
-                  <a:rPr lang="en-US" sz="1000" dirty="0" smtClean="0"/>
-                  <a:t>Partially excited H2 rotational states</a:t>
-                </a:r>
-                <a:endParaRPr lang="en-US" sz="1000" dirty="0"/>
-              </a:p>
-            </p:txBody>
-          </p:sp>
-          <p:cxnSp>
-            <p:nvCxnSpPr>
-              <p:cNvPr id="37" name="Straight Arrow Connector 36"/>
-              <p:cNvCxnSpPr/>
-              <p:nvPr/>
-            </p:nvCxnSpPr>
-            <p:spPr>
-              <a:xfrm flipH="1">
-                <a:off x="3495581" y="3555859"/>
-                <a:ext cx="1643932" cy="1350673"/>
-              </a:xfrm>
-              <a:prstGeom prst="straightConnector1">
-                <a:avLst/>
-              </a:prstGeom>
-              <a:ln>
-                <a:solidFill>
-                  <a:schemeClr val="tx1">
-                    <a:lumMod val="65000"/>
-                    <a:lumOff val="35000"/>
-                  </a:schemeClr>
-                </a:solidFill>
-                <a:tailEnd type="arrow"/>
-              </a:ln>
-              <a:effectLst/>
-            </p:spPr>
-            <p:style>
-              <a:lnRef idx="2">
-                <a:schemeClr val="accent1"/>
-              </a:lnRef>
-              <a:fillRef idx="0">
-                <a:schemeClr val="accent1"/>
-              </a:fillRef>
-              <a:effectRef idx="1">
-                <a:schemeClr val="accent1"/>
-              </a:effectRef>
-              <a:fontRef idx="minor">
-                <a:schemeClr val="tx1"/>
-              </a:fontRef>
-            </p:style>
-          </p:cxnSp>
-          <p:cxnSp>
-            <p:nvCxnSpPr>
-              <p:cNvPr id="38" name="Straight Arrow Connector 37"/>
-              <p:cNvCxnSpPr/>
-              <p:nvPr/>
-            </p:nvCxnSpPr>
-            <p:spPr>
-              <a:xfrm>
-                <a:off x="5127643" y="3563431"/>
-                <a:ext cx="1614257" cy="1074136"/>
-              </a:xfrm>
-              <a:prstGeom prst="straightConnector1">
-                <a:avLst/>
-              </a:prstGeom>
-              <a:ln>
-                <a:solidFill>
-                  <a:schemeClr val="tx1">
-                    <a:lumMod val="65000"/>
-                    <a:lumOff val="35000"/>
-                  </a:schemeClr>
-                </a:solidFill>
-                <a:tailEnd type="arrow"/>
-              </a:ln>
-              <a:effectLst/>
-            </p:spPr>
-            <p:style>
-              <a:lnRef idx="2">
-                <a:schemeClr val="accent1"/>
-              </a:lnRef>
-              <a:fillRef idx="0">
-                <a:schemeClr val="accent1"/>
-              </a:fillRef>
-              <a:effectRef idx="1">
-                <a:schemeClr val="accent1"/>
-              </a:effectRef>
-              <a:fontRef idx="minor">
-                <a:schemeClr val="tx1"/>
-              </a:fontRef>
-            </p:style>
-          </p:cxnSp>
-          <p:sp>
-            <p:nvSpPr>
-              <p:cNvPr id="39" name="TextBox 38"/>
-              <p:cNvSpPr txBox="1"/>
-              <p:nvPr/>
-            </p:nvSpPr>
-            <p:spPr>
-              <a:xfrm>
-                <a:off x="4704070" y="3326817"/>
-                <a:ext cx="888504" cy="316656"/>
-              </a:xfrm>
-              <a:prstGeom prst="rect">
-                <a:avLst/>
-              </a:prstGeom>
-              <a:noFill/>
-            </p:spPr>
-            <p:txBody>
-              <a:bodyPr wrap="square" rtlCol="0">
-                <a:spAutoFit/>
-              </a:bodyPr>
-              <a:lstStyle/>
-              <a:p>
-                <a:r>
-                  <a:rPr lang="en-US" sz="1000" dirty="0" smtClean="0"/>
-                  <a:t>Saumon+95</a:t>
-                </a:r>
-                <a:endParaRPr lang="en-US" sz="1000" dirty="0"/>
-              </a:p>
-            </p:txBody>
-          </p:sp>
-          <p:sp>
-            <p:nvSpPr>
-              <p:cNvPr id="40" name="TextBox 39"/>
-              <p:cNvSpPr txBox="1"/>
-              <p:nvPr/>
-            </p:nvSpPr>
-            <p:spPr>
-              <a:xfrm>
-                <a:off x="74705" y="3032829"/>
-                <a:ext cx="9143999" cy="456715"/>
-              </a:xfrm>
-              <a:prstGeom prst="rect">
-                <a:avLst/>
-              </a:prstGeom>
-              <a:noFill/>
-            </p:spPr>
-            <p:txBody>
-              <a:bodyPr wrap="square" rtlCol="0">
-                <a:spAutoFit/>
-              </a:bodyPr>
-              <a:lstStyle/>
-              <a:p>
-                <a:r>
-                  <a:rPr lang="en-US" sz="1550" dirty="0" smtClean="0"/>
-                  <a:t>H2 spin isomers</a:t>
-                </a:r>
-                <a:r>
-                  <a:rPr lang="en-US" sz="1600" dirty="0" smtClean="0"/>
-                  <a:t>        </a:t>
-                </a:r>
-                <a:r>
-                  <a:rPr lang="en-US" sz="1550" dirty="0" smtClean="0">
-                    <a:solidFill>
-                      <a:srgbClr val="0000FF"/>
-                    </a:solidFill>
-                  </a:rPr>
-                  <a:t>ORTHOHYDROGEN</a:t>
-                </a:r>
-                <a:r>
-                  <a:rPr lang="en-US" sz="1600" dirty="0" smtClean="0"/>
-                  <a:t> and       </a:t>
-                </a:r>
-                <a:r>
-                  <a:rPr lang="en-US" sz="1550" dirty="0" smtClean="0">
-                    <a:solidFill>
-                      <a:srgbClr val="0000FF"/>
-                    </a:solidFill>
-                  </a:rPr>
-                  <a:t>PARAHYDROGEN</a:t>
-                </a:r>
-                <a:r>
-                  <a:rPr lang="en-US" sz="1600" dirty="0" smtClean="0"/>
-                  <a:t> </a:t>
-                </a:r>
-                <a:r>
-                  <a:rPr lang="en-US" sz="1550" dirty="0" smtClean="0"/>
-                  <a:t>can be in </a:t>
-                </a:r>
-                <a:r>
-                  <a:rPr lang="en-US" sz="1550" b="1" dirty="0" smtClean="0"/>
-                  <a:t>thermal equilibrium </a:t>
-                </a:r>
-                <a:r>
-                  <a:rPr lang="en-US" sz="1550" dirty="0" smtClean="0"/>
-                  <a:t>or </a:t>
-                </a:r>
-                <a:r>
-                  <a:rPr lang="en-US" sz="1550" b="1" dirty="0" smtClean="0"/>
-                  <a:t>fixed ratio</a:t>
-                </a:r>
-                <a:r>
-                  <a:rPr lang="en-US" sz="1550" dirty="0" smtClean="0"/>
-                  <a:t>           </a:t>
-                </a:r>
-                <a:endParaRPr lang="en-US" sz="1550" dirty="0"/>
-              </a:p>
-            </p:txBody>
-          </p:sp>
-          <p:pic>
-            <p:nvPicPr>
-              <p:cNvPr id="41" name="Picture 40"/>
-              <p:cNvPicPr/>
-              <p:nvPr/>
-            </p:nvPicPr>
-            <p:blipFill>
-              <a:blip r:embed="rId4"/>
-              <a:stretch>
-                <a:fillRect/>
-              </a:stretch>
-            </p:blipFill>
-            <p:spPr>
-              <a:xfrm>
-                <a:off x="233593" y="4111330"/>
-                <a:ext cx="941630" cy="410757"/>
-              </a:xfrm>
-              <a:prstGeom prst="rect">
-                <a:avLst/>
-              </a:prstGeom>
-              <a:solidFill>
-                <a:srgbClr val="FFFF00"/>
-              </a:solidFill>
-              <a:ln w="19050">
-                <a:solidFill>
-                  <a:srgbClr val="FF0000"/>
-                </a:solidFill>
-              </a:ln>
-            </p:spPr>
-          </p:pic>
-        </p:grpSp>
-        <p:cxnSp>
-          <p:nvCxnSpPr>
-            <p:cNvPr id="47" name="Straight Arrow Connector 46"/>
-            <p:cNvCxnSpPr/>
-            <p:nvPr/>
-          </p:nvCxnSpPr>
-          <p:spPr>
-            <a:xfrm flipV="1">
-              <a:off x="2092960" y="3881611"/>
-              <a:ext cx="832728" cy="987474"/>
-            </a:xfrm>
-            <a:prstGeom prst="straightConnector1">
-              <a:avLst/>
-            </a:prstGeom>
-            <a:ln>
-              <a:solidFill>
-                <a:schemeClr val="tx1">
-                  <a:lumMod val="65000"/>
-                  <a:lumOff val="35000"/>
-                </a:schemeClr>
-              </a:solidFill>
-              <a:tailEnd type="arrow"/>
-            </a:ln>
-            <a:effectLst/>
-          </p:spPr>
-          <p:style>
-            <a:lnRef idx="2">
-              <a:schemeClr val="accent1"/>
-            </a:lnRef>
-            <a:fillRef idx="0">
-              <a:schemeClr val="accent1"/>
-            </a:fillRef>
-            <a:effectRef idx="1">
-              <a:schemeClr val="accent1"/>
-            </a:effectRef>
-            <a:fontRef idx="minor">
-              <a:schemeClr val="tx1"/>
-            </a:fontRef>
-          </p:style>
-        </p:cxnSp>
-        <p:sp>
-          <p:nvSpPr>
-            <p:cNvPr id="50" name="TextBox 49"/>
-            <p:cNvSpPr txBox="1"/>
-            <p:nvPr/>
-          </p:nvSpPr>
-          <p:spPr>
-            <a:xfrm>
-              <a:off x="1439298" y="4817767"/>
-              <a:ext cx="971220" cy="438447"/>
-            </a:xfrm>
-            <a:prstGeom prst="rect">
-              <a:avLst/>
-            </a:prstGeom>
-            <a:noFill/>
-          </p:spPr>
-          <p:txBody>
-            <a:bodyPr wrap="square" rtlCol="0">
-              <a:spAutoFit/>
-            </a:bodyPr>
-            <a:lstStyle/>
-            <a:p>
-              <a:r>
-                <a:rPr lang="en-US" sz="1000" dirty="0" smtClean="0"/>
-                <a:t>Our extension</a:t>
-              </a:r>
-              <a:endParaRPr lang="en-US" sz="1000" dirty="0"/>
-            </a:p>
-          </p:txBody>
-        </p:sp>
-      </p:grpSp>
-      <p:sp>
-        <p:nvSpPr>
-          <p:cNvPr id="9" name="Rectangle 8"/>
+            </a:endParaRPr>
+          </a:p>
+        </p:txBody>
+      </p:sp>
+      <p:sp>
+        <p:nvSpPr>
+          <p:cNvPr id="3" name="Rectangle 2"/>
           <p:cNvSpPr/>
           <p:nvPr/>
         </p:nvSpPr>
         <p:spPr>
           <a:xfrm>
-            <a:off x="107566" y="102063"/>
-            <a:ext cx="6602267" cy="500012"/>
+            <a:off x="86303" y="628811"/>
+            <a:ext cx="6645325" cy="2625838"/>
           </a:xfrm>
           <a:prstGeom prst="rect">
             <a:avLst/>
@@ -4661,9 +5262,10 @@
           <a:noFill/>
           <a:ln w="25400">
             <a:solidFill>
-              <a:srgbClr val="008000"/>
+              <a:srgbClr val="FF0000"/>
             </a:solidFill>
           </a:ln>
+          <a:effectLst/>
         </p:spPr>
         <p:style>
           <a:lnRef idx="1">
@@ -4690,14 +5292,56 @@
       </p:sp>
       <p:sp>
         <p:nvSpPr>
-          <p:cNvPr id="51" name="Rectangle 50"/>
+          <p:cNvPr id="34" name="TextBox 33"/>
+          <p:cNvSpPr txBox="1"/>
+          <p:nvPr/>
+        </p:nvSpPr>
+        <p:spPr>
+          <a:xfrm>
+            <a:off x="2855586" y="2945426"/>
+            <a:ext cx="1460024" cy="230832"/>
+          </a:xfrm>
+          <a:prstGeom prst="rect">
+            <a:avLst/>
+          </a:prstGeom>
+          <a:noFill/>
+        </p:spPr>
+        <p:txBody>
+          <a:bodyPr wrap="square" rtlCol="0">
+            <a:spAutoFit/>
+          </a:bodyPr>
+          <a:lstStyle/>
+          <a:p>
+            <a:r>
+              <a:rPr lang="en-US" sz="900" dirty="0" err="1" smtClean="0"/>
+              <a:t>t_disk</a:t>
+            </a:r>
+            <a:r>
+              <a:rPr lang="en-US" sz="900" dirty="0" smtClean="0"/>
+              <a:t> ~ 3 </a:t>
+            </a:r>
+            <a:r>
+              <a:rPr lang="en-US" sz="900" dirty="0" err="1" smtClean="0"/>
+              <a:t>Myr</a:t>
+            </a:r>
+            <a:r>
+              <a:rPr lang="en-US" sz="900" dirty="0" smtClean="0"/>
+              <a:t>, ISM opacity</a:t>
+            </a:r>
+            <a:endParaRPr lang="en-US" sz="900" dirty="0"/>
+          </a:p>
+        </p:txBody>
+      </p:sp>
+      <p:sp>
+        <p:nvSpPr>
+          <p:cNvPr id="46" name="Rectangle 45"/>
           <p:cNvSpPr/>
           <p:nvPr/>
         </p:nvSpPr>
         <p:spPr>
           <a:xfrm>
-            <a:off x="2936146" y="5654377"/>
-            <a:ext cx="3837613" cy="5327340"/>
+            <a:off x="86303" y="3349972"/>
+            <a:ext cx="6645325" cy="5663026"/>
           </a:xfrm>
           <a:prstGeom prst="rect">
             <a:avLst/>
@@ -4733,36 +5377,316 @@
           </a:p>
         </p:txBody>
       </p:sp>
-      <p:pic>
-        <p:nvPicPr>
-          <p:cNvPr id="53" name="Picture 52" descr="Mc_vs_a_poly_real_exolunch.pdf"/>
-          <p:cNvPicPr>
-            <a:picLocks noChangeAspect="1"/>
-          </p:cNvPicPr>
+      <p:sp>
+        <p:nvSpPr>
+          <p:cNvPr id="49" name="TextBox 48"/>
+          <p:cNvSpPr txBox="1"/>
           <p:nvPr/>
-        </p:nvPicPr>
-        <p:blipFill>
-          <a:blip r:embed="rId5">
-            <a:extLst>
-              <a:ext uri="{28A0092B-C50C-407E-A947-70E740481C1C}">
-                <a14:useLocalDpi xmlns:a14="http://schemas.microsoft.com/office/drawing/2010/main" val="0"/>
-              </a:ext>
-            </a:extLst>
-          </a:blip>
-          <a:stretch>
-            <a:fillRect/>
-          </a:stretch>
-        </p:blipFill>
+        </p:nvSpPr>
         <p:spPr>
           <a:xfrm>
-            <a:off x="109552" y="7939003"/>
-            <a:ext cx="2572242" cy="3438252"/>
+            <a:off x="86304" y="3528129"/>
+            <a:ext cx="2354836" cy="2800767"/>
           </a:xfrm>
           <a:prstGeom prst="rect">
             <a:avLst/>
           </a:prstGeom>
-        </p:spPr>
-      </p:pic>
+          <a:noFill/>
+        </p:spPr>
+        <p:txBody>
+          <a:bodyPr wrap="square" rtlCol="0">
+            <a:spAutoFit/>
+          </a:bodyPr>
+          <a:lstStyle/>
+          <a:p>
+            <a:r>
+              <a:rPr lang="en-US" sz="1600" b="1" dirty="0" smtClean="0"/>
+              <a:t>Grain growth opacity</a:t>
+            </a:r>
+            <a:r>
+              <a:rPr lang="en-US" sz="1600" dirty="0" smtClean="0"/>
+              <a:t> </a:t>
+            </a:r>
+            <a:r>
+              <a:rPr lang="en-US" sz="1600" dirty="0" smtClean="0">
+                <a:solidFill>
+                  <a:srgbClr val="008000"/>
+                </a:solidFill>
+              </a:rPr>
+              <a:t>DECREASES</a:t>
+            </a:r>
+            <a:r>
+              <a:rPr lang="en-US" sz="1600" dirty="0" smtClean="0"/>
+              <a:t> </a:t>
+            </a:r>
+            <a:r>
+              <a:rPr lang="en-US" sz="1600" b="1" dirty="0" err="1" smtClean="0"/>
+              <a:t>Mcrit</a:t>
+            </a:r>
+            <a:endParaRPr lang="en-US" sz="1600" dirty="0" smtClean="0"/>
+          </a:p>
+          <a:p>
+            <a:pPr marL="285750" indent="-285750">
+              <a:buFont typeface="Arial"/>
+              <a:buChar char="•"/>
+            </a:pPr>
+            <a:endParaRPr lang="en-US" sz="1600" dirty="0" smtClean="0"/>
+          </a:p>
+          <a:p>
+            <a:r>
+              <a:rPr lang="en-US" sz="1600" dirty="0" smtClean="0"/>
+              <a:t>For size distribution                   </a:t>
+            </a:r>
+            <a:r>
+              <a:rPr lang="en-US" sz="1600" dirty="0" err="1" smtClean="0"/>
+              <a:t>dN</a:t>
+            </a:r>
+            <a:r>
+              <a:rPr lang="en-US" sz="1600" dirty="0" smtClean="0"/>
+              <a:t>/ds ~ </a:t>
+            </a:r>
+            <a:r>
+              <a:rPr lang="en-US" sz="1600" dirty="0"/>
+              <a:t>s</a:t>
+            </a:r>
+            <a:r>
+              <a:rPr lang="en-US" sz="1600" dirty="0" smtClean="0"/>
+              <a:t>^(-p)</a:t>
+            </a:r>
+            <a:r>
+              <a:rPr lang="en-US" sz="1600" dirty="0" smtClean="0">
+                <a:solidFill>
+                  <a:srgbClr val="008000"/>
+                </a:solidFill>
+              </a:rPr>
+              <a:t>, </a:t>
+            </a:r>
+            <a:r>
+              <a:rPr lang="en-US" sz="1600" dirty="0" smtClean="0">
+                <a:solidFill>
+                  <a:srgbClr val="800080"/>
+                </a:solidFill>
+              </a:rPr>
+              <a:t>p = </a:t>
+            </a:r>
+            <a:r>
+              <a:rPr lang="en-US" sz="1600" dirty="0" smtClean="0">
+                <a:solidFill>
+                  <a:srgbClr val="800080"/>
+                </a:solidFill>
+              </a:rPr>
+              <a:t>3.5</a:t>
+            </a:r>
+            <a:endParaRPr lang="en-US" sz="1600" dirty="0" smtClean="0"/>
+          </a:p>
+          <a:p>
+            <a:r>
+              <a:rPr lang="en-US" sz="1600" dirty="0" smtClean="0">
+                <a:solidFill>
+                  <a:srgbClr val="008000"/>
+                </a:solidFill>
+              </a:rPr>
+              <a:t>max</a:t>
+            </a:r>
+            <a:r>
+              <a:rPr lang="en-US" sz="1600" dirty="0" smtClean="0">
+                <a:solidFill>
+                  <a:srgbClr val="008000"/>
+                </a:solidFill>
+              </a:rPr>
+              <a:t>. particle size = 1 cm</a:t>
+            </a:r>
+            <a:r>
+              <a:rPr lang="en-US" sz="1600" dirty="0" smtClean="0"/>
+              <a:t>:</a:t>
+            </a:r>
+          </a:p>
+          <a:p>
+            <a:pPr marL="285750" indent="-285750">
+              <a:buFont typeface="Arial"/>
+              <a:buChar char="•"/>
+            </a:pPr>
+            <a:endParaRPr lang="en-US" sz="1400" dirty="0"/>
+          </a:p>
+          <a:p>
+            <a:r>
+              <a:rPr lang="en-US" sz="1400" b="1" dirty="0" err="1" smtClean="0"/>
+              <a:t>Mcrit</a:t>
+            </a:r>
+            <a:r>
+              <a:rPr lang="en-US" sz="1400" b="1" dirty="0" smtClean="0"/>
+              <a:t> </a:t>
+            </a:r>
+            <a:r>
+              <a:rPr lang="en-US" sz="1400" dirty="0" smtClean="0"/>
+              <a:t>is </a:t>
+            </a:r>
+            <a:endParaRPr lang="en-US" sz="1400" dirty="0" smtClean="0"/>
+          </a:p>
+          <a:p>
+            <a:r>
+              <a:rPr lang="en-US" sz="2000" dirty="0" smtClean="0">
+                <a:solidFill>
+                  <a:srgbClr val="0000FF"/>
+                </a:solidFill>
+              </a:rPr>
+              <a:t>  ~</a:t>
+            </a:r>
+            <a:r>
+              <a:rPr lang="en-US" sz="2000" dirty="0" smtClean="0">
+                <a:solidFill>
+                  <a:srgbClr val="0000FF"/>
+                </a:solidFill>
+              </a:rPr>
+              <a:t>8 M_E @ 5 AU</a:t>
+            </a:r>
+          </a:p>
+          <a:p>
+            <a:r>
+              <a:rPr lang="en-US" sz="2000" dirty="0" smtClean="0">
+                <a:solidFill>
+                  <a:srgbClr val="0000FF"/>
+                </a:solidFill>
+              </a:rPr>
+              <a:t>  ~</a:t>
+            </a:r>
+            <a:r>
+              <a:rPr lang="en-US" sz="2000" dirty="0" smtClean="0">
+                <a:solidFill>
+                  <a:srgbClr val="0000FF"/>
+                </a:solidFill>
+              </a:rPr>
+              <a:t>5 M_E @100 AU</a:t>
+            </a:r>
+          </a:p>
+          <a:p>
+            <a:pPr marL="628650" lvl="1" indent="-171450">
+              <a:buFont typeface="Arial"/>
+              <a:buChar char="•"/>
+            </a:pPr>
+            <a:endParaRPr lang="en-US" sz="1200" dirty="0" smtClean="0"/>
+          </a:p>
+        </p:txBody>
+      </p:sp>
+      <p:sp>
+        <p:nvSpPr>
+          <p:cNvPr id="54" name="TextBox 53"/>
+          <p:cNvSpPr txBox="1"/>
+          <p:nvPr/>
+        </p:nvSpPr>
+        <p:spPr>
+          <a:xfrm>
+            <a:off x="3760341" y="6845632"/>
+            <a:ext cx="2761694" cy="2000548"/>
+          </a:xfrm>
+          <a:prstGeom prst="rect">
+            <a:avLst/>
+          </a:prstGeom>
+          <a:noFill/>
+        </p:spPr>
+        <p:txBody>
+          <a:bodyPr wrap="square" rtlCol="0">
+            <a:spAutoFit/>
+          </a:bodyPr>
+          <a:lstStyle/>
+          <a:p>
+            <a:pPr algn="just"/>
+            <a:r>
+              <a:rPr lang="en-US" sz="1600" dirty="0" smtClean="0"/>
+              <a:t>If coagulation is taken into account, </a:t>
+            </a:r>
+            <a:r>
+              <a:rPr lang="en-US" sz="1600" dirty="0" smtClean="0">
+                <a:solidFill>
+                  <a:srgbClr val="FF8C00"/>
+                </a:solidFill>
+              </a:rPr>
+              <a:t>p </a:t>
+            </a:r>
+            <a:r>
+              <a:rPr lang="en-US" sz="1600" dirty="0" smtClean="0">
+                <a:solidFill>
+                  <a:srgbClr val="FF8C00"/>
+                </a:solidFill>
+              </a:rPr>
+              <a:t>= 2.5</a:t>
+            </a:r>
+            <a:r>
+              <a:rPr lang="en-US" sz="1600" dirty="0" smtClean="0"/>
+              <a:t>, the time to runaway accretion </a:t>
+            </a:r>
+            <a:r>
+              <a:rPr lang="en-US" sz="1600" b="1" dirty="0" smtClean="0"/>
+              <a:t>decreases by more than one order of magnitude</a:t>
+            </a:r>
+            <a:r>
+              <a:rPr lang="en-US" sz="1600" dirty="0"/>
+              <a:t> </a:t>
+            </a:r>
+            <a:r>
+              <a:rPr lang="en-US" sz="1600" dirty="0" smtClean="0"/>
+              <a:t>-&gt; </a:t>
+            </a:r>
+            <a:r>
+              <a:rPr lang="en-US" sz="1600" b="1" dirty="0" smtClean="0">
+                <a:solidFill>
+                  <a:srgbClr val="0000FF"/>
+                </a:solidFill>
+              </a:rPr>
+              <a:t>Critical Core Mass could be up to one order of magnitude lower!</a:t>
+            </a:r>
+          </a:p>
+          <a:p>
+            <a:pPr algn="just"/>
+            <a:endParaRPr lang="en-US" sz="1200" dirty="0"/>
+          </a:p>
+        </p:txBody>
+      </p:sp>
+      <p:sp>
+        <p:nvSpPr>
+          <p:cNvPr id="55" name="Rectangle 54"/>
+          <p:cNvSpPr/>
+          <p:nvPr/>
+        </p:nvSpPr>
+        <p:spPr>
+          <a:xfrm>
+            <a:off x="3094164" y="5390880"/>
+            <a:ext cx="3394775" cy="572341"/>
+          </a:xfrm>
+          <a:prstGeom prst="rect">
+            <a:avLst/>
+          </a:prstGeom>
+          <a:noFill/>
+          <a:ln w="19050">
+            <a:solidFill>
+              <a:srgbClr val="C71585"/>
+            </a:solidFill>
+          </a:ln>
+          <a:effectLst/>
+        </p:spPr>
+        <p:style>
+          <a:lnRef idx="1">
+            <a:schemeClr val="accent1"/>
+          </a:lnRef>
+          <a:fillRef idx="3">
+            <a:schemeClr val="accent1"/>
+          </a:fillRef>
+          <a:effectRef idx="2">
+            <a:schemeClr val="accent1"/>
+          </a:effectRef>
+          <a:fontRef idx="minor">
+            <a:schemeClr val="lt1"/>
+          </a:fontRef>
+        </p:style>
+        <p:txBody>
+          <a:bodyPr rtlCol="0" anchor="ctr"/>
+          <a:lstStyle/>
+          <a:p>
+            <a:pPr algn="ctr"/>
+            <a:endParaRPr lang="en-US"/>
+          </a:p>
+        </p:txBody>
+      </p:sp>
     </p:spTree>
     <p:extLst>
       <p:ext uri="{BB962C8B-B14F-4D97-AF65-F5344CB8AC3E}">

--- a/slides/exolunch_handout_0505.pptx
+++ b/slides/exolunch_handout_0505.pptx
@@ -3334,10 +3334,10 @@
         </p:nvGrpSpPr>
         <p:grpSpPr>
           <a:xfrm>
-            <a:off x="3001678" y="1128983"/>
-            <a:ext cx="3782469" cy="1742331"/>
-            <a:chOff x="5039840" y="732957"/>
-            <a:chExt cx="4028003" cy="1450474"/>
+            <a:off x="3001678" y="1115504"/>
+            <a:ext cx="3782469" cy="1653824"/>
+            <a:chOff x="5039840" y="721735"/>
+            <a:chExt cx="4028003" cy="1376789"/>
           </a:xfrm>
         </p:grpSpPr>
         <p:sp>
@@ -3393,8 +3393,8 @@
           </p:nvSpPr>
           <p:spPr>
             <a:xfrm>
-              <a:off x="5039840" y="1060964"/>
-              <a:ext cx="3979152" cy="1122467"/>
+              <a:off x="5039840" y="917261"/>
+              <a:ext cx="3979152" cy="1152992"/>
             </a:xfrm>
             <a:prstGeom prst="rect">
               <a:avLst/>
@@ -3461,8 +3461,44 @@
               </a:r>
               <a:r>
                 <a:rPr lang="en-US" sz="1200" b="1" dirty="0" smtClean="0"/>
-                <a:t>fixed mass</a:t>
+                <a:t>fixed </a:t>
               </a:r>
+              <a:r>
+                <a:rPr lang="en-US" sz="1200" b="1" dirty="0" smtClean="0"/>
+                <a:t>mass</a:t>
+              </a:r>
+            </a:p>
+            <a:p>
+              <a:pPr marL="171450" indent="-171450" algn="just">
+                <a:buSzPct val="100000"/>
+                <a:buFont typeface="Arial"/>
+                <a:buChar char="•"/>
+              </a:pPr>
+              <a:r>
+                <a:rPr lang="en-US" sz="1200" b="1" dirty="0"/>
+                <a:t>Inner convective </a:t>
+              </a:r>
+              <a:r>
+                <a:rPr lang="en-US" sz="1200" dirty="0"/>
+                <a:t>&amp; </a:t>
+              </a:r>
+              <a:r>
+                <a:rPr lang="en-US" sz="1200" b="1" dirty="0"/>
+                <a:t>outer </a:t>
+              </a:r>
+              <a:r>
+                <a:rPr lang="en-US" sz="1200" b="1" dirty="0" err="1"/>
+                <a:t>radiative</a:t>
+              </a:r>
+              <a:r>
+                <a:rPr lang="en-US" sz="1200" b="1" dirty="0"/>
+                <a:t> </a:t>
+              </a:r>
+              <a:r>
+                <a:rPr lang="en-US" sz="1200" dirty="0" smtClean="0"/>
+                <a:t>regions</a:t>
+              </a:r>
+              <a:endParaRPr lang="en-US" sz="1200" b="1" dirty="0" smtClean="0"/>
             </a:p>
             <a:p>
               <a:pPr marL="171450" indent="-171450" algn="just">
@@ -3497,7 +3533,7 @@
           </p:nvSpPr>
           <p:spPr>
             <a:xfrm>
-              <a:off x="5102501" y="762793"/>
+              <a:off x="5102501" y="721735"/>
               <a:ext cx="3916491" cy="260296"/>
             </a:xfrm>
             <a:prstGeom prst="rect">
@@ -3513,10 +3549,10 @@
             <a:p>
               <a:pPr algn="ctr"/>
               <a:r>
-                <a:rPr lang="en-US" sz="1700" b="1" dirty="0" smtClean="0"/>
+                <a:rPr lang="en-US" sz="1400" b="1" dirty="0" smtClean="0"/>
                 <a:t>ATMOSPHERIC MODEL SUMMARY</a:t>
               </a:r>
-              <a:endParaRPr lang="en-US" sz="1700" b="1" dirty="0"/>
+              <a:endParaRPr lang="en-US" sz="1400" b="1" dirty="0"/>
             </a:p>
           </p:txBody>
         </p:sp>
@@ -4474,43 +4510,6 @@
       </p:sp>
       <p:cxnSp>
         <p:nvCxnSpPr>
-          <p:cNvPr id="63" name="Straight Arrow Connector 62"/>
-          <p:cNvCxnSpPr/>
-          <p:nvPr/>
-        </p:nvCxnSpPr>
-        <p:spPr>
-          <a:xfrm flipV="1">
-            <a:off x="316803" y="7257314"/>
-            <a:ext cx="1331675" cy="1192273"/>
-          </a:xfrm>
-          <a:prstGeom prst="straightConnector1">
-            <a:avLst/>
-          </a:prstGeom>
-          <a:ln>
-            <a:solidFill>
-              <a:schemeClr val="tx1"/>
-            </a:solidFill>
-            <a:tailEnd type="arrow"/>
-          </a:ln>
-          <a:effectLst/>
-        </p:spPr>
-        <p:style>
-          <a:lnRef idx="2">
-            <a:schemeClr val="accent1"/>
-          </a:lnRef>
-          <a:fillRef idx="0">
-            <a:schemeClr val="accent1"/>
-          </a:fillRef>
-          <a:effectRef idx="1">
-            <a:schemeClr val="accent1"/>
-          </a:effectRef>
-          <a:fontRef idx="minor">
-            <a:schemeClr val="tx1"/>
-          </a:fontRef>
-        </p:style>
-      </p:cxnSp>
-      <p:cxnSp>
-        <p:nvCxnSpPr>
           <p:cNvPr id="64" name="Straight Arrow Connector 63"/>
           <p:cNvCxnSpPr/>
           <p:nvPr/>
@@ -4613,46 +4612,6 @@
           </a:p>
         </p:txBody>
       </p:sp>
-      <p:cxnSp>
-        <p:nvCxnSpPr>
-          <p:cNvPr id="68" name="Straight Arrow Connector 67"/>
-          <p:cNvCxnSpPr/>
-          <p:nvPr/>
-        </p:nvCxnSpPr>
-        <p:spPr>
-          <a:xfrm>
-            <a:off x="4648462" y="6070680"/>
-            <a:ext cx="968708" cy="1076072"/>
-          </a:xfrm>
-          <a:prstGeom prst="straightConnector1">
-            <a:avLst/>
-          </a:prstGeom>
-          <a:ln>
-            <a:solidFill>
-              <a:schemeClr val="tx1">
-                <a:lumMod val="65000"/>
-                <a:lumOff val="35000"/>
-              </a:schemeClr>
-            </a:solidFill>
-            <a:tailEnd type="arrow"/>
-          </a:ln>
-          <a:effectLst/>
-        </p:spPr>
-        <p:style>
-          <a:lnRef idx="2">
-            <a:schemeClr val="accent1"/>
-          </a:lnRef>
-          <a:fillRef idx="0">
-            <a:schemeClr val="accent1"/>
-          </a:fillRef>
-          <a:effectRef idx="1">
-            <a:schemeClr val="accent1"/>
-          </a:effectRef>
-          <a:fontRef idx="minor">
-            <a:schemeClr val="tx1"/>
-          </a:fontRef>
-        </p:style>
-      </p:cxnSp>
       <p:sp>
         <p:nvSpPr>
           <p:cNvPr id="69" name="TextBox 68"/>
@@ -4661,8 +4620,8 @@
         </p:nvSpPr>
         <p:spPr>
           <a:xfrm>
-            <a:off x="4322644" y="5860509"/>
-            <a:ext cx="888505" cy="246221"/>
+            <a:off x="4766896" y="6900719"/>
+            <a:ext cx="1001299" cy="276999"/>
           </a:xfrm>
           <a:prstGeom prst="rect">
             <a:avLst/>
@@ -4676,63 +4635,23 @@
           <a:lstStyle/>
           <a:p>
             <a:r>
-              <a:rPr lang="en-US" sz="1000" dirty="0" smtClean="0"/>
+              <a:rPr lang="en-US" sz="1200" dirty="0" smtClean="0"/>
               <a:t>Saumon+95</a:t>
             </a:r>
-            <a:endParaRPr lang="en-US" sz="1000" dirty="0"/>
-          </a:p>
-        </p:txBody>
-      </p:sp>
-      <p:cxnSp>
-        <p:nvCxnSpPr>
-          <p:cNvPr id="70" name="Straight Arrow Connector 69"/>
-          <p:cNvCxnSpPr/>
-          <p:nvPr/>
-        </p:nvCxnSpPr>
-        <p:spPr>
-          <a:xfrm flipV="1">
-            <a:off x="1471179" y="7492587"/>
-            <a:ext cx="469779" cy="1186131"/>
-          </a:xfrm>
-          <a:prstGeom prst="straightConnector1">
-            <a:avLst/>
-          </a:prstGeom>
-          <a:ln>
-            <a:solidFill>
-              <a:schemeClr val="tx1">
-                <a:lumMod val="65000"/>
-                <a:lumOff val="35000"/>
-              </a:schemeClr>
-            </a:solidFill>
-            <a:tailEnd type="arrow"/>
-          </a:ln>
-          <a:effectLst/>
-        </p:spPr>
-        <p:style>
-          <a:lnRef idx="2">
-            <a:schemeClr val="accent1"/>
-          </a:lnRef>
-          <a:fillRef idx="0">
-            <a:schemeClr val="accent1"/>
-          </a:fillRef>
-          <a:effectRef idx="1">
-            <a:schemeClr val="accent1"/>
-          </a:effectRef>
-          <a:fontRef idx="minor">
-            <a:schemeClr val="tx1"/>
-          </a:fontRef>
-        </p:style>
-      </p:cxnSp>
-      <p:sp>
-        <p:nvSpPr>
-          <p:cNvPr id="74" name="TextBox 73"/>
+            <a:endParaRPr lang="en-US" sz="1200" dirty="0"/>
+          </a:p>
+        </p:txBody>
+      </p:sp>
+      <p:sp>
+        <p:nvSpPr>
+          <p:cNvPr id="77" name="TextBox 76"/>
           <p:cNvSpPr txBox="1"/>
           <p:nvPr/>
         </p:nvSpPr>
         <p:spPr>
           <a:xfrm>
-            <a:off x="84111" y="8432497"/>
-            <a:ext cx="720913" cy="246221"/>
+            <a:off x="1198189" y="7314008"/>
+            <a:ext cx="1059309" cy="276999"/>
           </a:xfrm>
           <a:prstGeom prst="rect">
             <a:avLst/>
@@ -4746,40 +4665,10 @@
           <a:lstStyle/>
           <a:p>
             <a:r>
-              <a:rPr lang="en-US" sz="1000" dirty="0" smtClean="0"/>
-              <a:t>Ideal gas</a:t>
-            </a:r>
-            <a:endParaRPr lang="en-US" sz="1000" dirty="0"/>
-          </a:p>
-        </p:txBody>
-      </p:sp>
-      <p:sp>
-        <p:nvSpPr>
-          <p:cNvPr id="77" name="TextBox 76"/>
-          <p:cNvSpPr txBox="1"/>
-          <p:nvPr/>
-        </p:nvSpPr>
-        <p:spPr>
-          <a:xfrm>
-            <a:off x="873519" y="8667201"/>
-            <a:ext cx="1059309" cy="246221"/>
-          </a:xfrm>
-          <a:prstGeom prst="rect">
-            <a:avLst/>
-          </a:prstGeom>
-          <a:noFill/>
-        </p:spPr>
-        <p:txBody>
-          <a:bodyPr wrap="square" rtlCol="0">
-            <a:spAutoFit/>
-          </a:bodyPr>
-          <a:lstStyle/>
-          <a:p>
-            <a:r>
-              <a:rPr lang="en-US" sz="1000" dirty="0" smtClean="0"/>
-              <a:t>Our extension</a:t>
-            </a:r>
-            <a:endParaRPr lang="en-US" sz="1000" b="1" dirty="0">
+              <a:rPr lang="en-US" sz="1200" dirty="0" smtClean="0"/>
+              <a:t>Piso+15</a:t>
+            </a:r>
+            <a:endParaRPr lang="en-US" sz="1200" b="1" dirty="0">
               <a:solidFill>
                 <a:srgbClr val="0000FF"/>
               </a:solidFill>
@@ -4998,6 +4887,70 @@
               <a:rPr lang="en-US" sz="900" baseline="-25000" dirty="0"/>
               <a:t>E</a:t>
             </a:r>
+          </a:p>
+        </p:txBody>
+      </p:sp>
+      <p:sp>
+        <p:nvSpPr>
+          <p:cNvPr id="88" name="TextBox 87"/>
+          <p:cNvSpPr txBox="1"/>
+          <p:nvPr/>
+        </p:nvSpPr>
+        <p:spPr>
+          <a:xfrm>
+            <a:off x="3485410" y="7314008"/>
+            <a:ext cx="1059309" cy="276999"/>
+          </a:xfrm>
+          <a:prstGeom prst="rect">
+            <a:avLst/>
+          </a:prstGeom>
+          <a:noFill/>
+        </p:spPr>
+        <p:txBody>
+          <a:bodyPr wrap="square" rtlCol="0">
+            <a:spAutoFit/>
+          </a:bodyPr>
+          <a:lstStyle/>
+          <a:p>
+            <a:r>
+              <a:rPr lang="en-US" sz="1200" dirty="0" smtClean="0"/>
+              <a:t>Piso+15</a:t>
+            </a:r>
+            <a:endParaRPr lang="en-US" sz="1200" b="1" dirty="0">
+              <a:solidFill>
+                <a:srgbClr val="0000FF"/>
+              </a:solidFill>
+            </a:endParaRPr>
+          </a:p>
+        </p:txBody>
+      </p:sp>
+      <p:sp>
+        <p:nvSpPr>
+          <p:cNvPr id="89" name="TextBox 88"/>
+          <p:cNvSpPr txBox="1"/>
+          <p:nvPr/>
+        </p:nvSpPr>
+        <p:spPr>
+          <a:xfrm>
+            <a:off x="2381207" y="6900719"/>
+            <a:ext cx="1001299" cy="276999"/>
+          </a:xfrm>
+          <a:prstGeom prst="rect">
+            <a:avLst/>
+          </a:prstGeom>
+          <a:noFill/>
+        </p:spPr>
+        <p:txBody>
+          <a:bodyPr wrap="square" rtlCol="0">
+            <a:spAutoFit/>
+          </a:bodyPr>
+          <a:lstStyle/>
+          <a:p>
+            <a:r>
+              <a:rPr lang="en-US" sz="1200" dirty="0" smtClean="0"/>
+              <a:t>Saumon+95</a:t>
+            </a:r>
+            <a:endParaRPr lang="en-US" sz="1200" dirty="0"/>
           </a:p>
         </p:txBody>
       </p:sp>
@@ -5175,7 +5128,15 @@
             <a:pPr algn="just"/>
             <a:r>
               <a:rPr lang="en-US" sz="1600" dirty="0" smtClean="0"/>
-              <a:t>Variations in the adiabatic gradient due to </a:t>
+              <a:t>Variations in the adiabatic </a:t>
+            </a:r>
+            <a:r>
+              <a:rPr lang="en-US" sz="1600" dirty="0" smtClean="0"/>
+              <a:t>gradient due </a:t>
+            </a:r>
+            <a:r>
+              <a:rPr lang="en-US" sz="1600" dirty="0" smtClean="0"/>
+              <a:t>to </a:t>
             </a:r>
             <a:r>
               <a:rPr lang="en-US" sz="1600" b="1" dirty="0" smtClean="0"/>
@@ -5223,7 +5184,7 @@
             </a:r>
             <a:r>
               <a:rPr lang="en-US" sz="1600" b="1" dirty="0" err="1" smtClean="0"/>
-              <a:t>Mcrit</a:t>
+              <a:t>M_crit</a:t>
             </a:r>
             <a:r>
               <a:rPr lang="en-US" sz="1600" dirty="0" smtClean="0"/>
@@ -5386,7 +5347,7 @@
         <p:spPr>
           <a:xfrm>
             <a:off x="86304" y="3528129"/>
-            <a:ext cx="2354836" cy="2800767"/>
+            <a:ext cx="2354836" cy="2831544"/>
           </a:xfrm>
           <a:prstGeom prst="rect">
             <a:avLst/>
@@ -5421,7 +5382,7 @@
             </a:r>
             <a:r>
               <a:rPr lang="en-US" sz="1600" b="1" dirty="0" err="1" smtClean="0"/>
-              <a:t>Mcrit</a:t>
+              <a:t>M_crit</a:t>
             </a:r>
             <a:endParaRPr lang="en-US" sz="1600" dirty="0" smtClean="0"/>
           </a:p>
@@ -5510,18 +5471,18 @@
           </a:p>
           <a:p>
             <a:r>
-              <a:rPr lang="en-US" sz="1400" b="1" dirty="0" err="1" smtClean="0"/>
-              <a:t>Mcrit</a:t>
-            </a:r>
-            <a:r>
-              <a:rPr lang="en-US" sz="1400" b="1" dirty="0" smtClean="0"/>
+              <a:rPr lang="en-US" sz="1600" b="1" dirty="0" err="1" smtClean="0"/>
+              <a:t>M_crit</a:t>
+            </a:r>
+            <a:r>
+              <a:rPr lang="en-US" sz="1600" b="1" dirty="0" smtClean="0"/>
               <a:t> </a:t>
             </a:r>
             <a:r>
-              <a:rPr lang="en-US" sz="1400" dirty="0" smtClean="0"/>
+              <a:rPr lang="en-US" sz="1600" dirty="0" smtClean="0"/>
               <a:t>is </a:t>
             </a:r>
-            <a:endParaRPr lang="en-US" sz="1400" dirty="0" smtClean="0"/>
+            <a:endParaRPr lang="en-US" sz="1600" dirty="0" smtClean="0"/>
           </a:p>
           <a:p>
             <a:r>
@@ -5650,8 +5611,8 @@
         </p:nvSpPr>
         <p:spPr>
           <a:xfrm>
-            <a:off x="3094164" y="5390880"/>
-            <a:ext cx="3394775" cy="572341"/>
+            <a:off x="3103690" y="5390880"/>
+            <a:ext cx="3370136" cy="572341"/>
           </a:xfrm>
           <a:prstGeom prst="rect">
             <a:avLst/>

--- a/slides/exolunch_handout_0505.pptx
+++ b/slides/exolunch_handout_0505.pptx
@@ -289,7 +289,7 @@
           <a:p>
             <a:fld id="{672F54A9-AF41-AF4B-845E-C39B79FC07D9}" type="datetimeFigureOut">
               <a:rPr lang="en-US" smtClean="0"/>
-              <a:t>5/1/15</a:t>
+              <a:t>5/4/15</a:t>
             </a:fld>
             <a:endParaRPr lang="en-US"/>
           </a:p>
@@ -459,7 +459,7 @@
           <a:p>
             <a:fld id="{672F54A9-AF41-AF4B-845E-C39B79FC07D9}" type="datetimeFigureOut">
               <a:rPr lang="en-US" smtClean="0"/>
-              <a:t>5/1/15</a:t>
+              <a:t>5/4/15</a:t>
             </a:fld>
             <a:endParaRPr lang="en-US"/>
           </a:p>
@@ -639,7 +639,7 @@
           <a:p>
             <a:fld id="{672F54A9-AF41-AF4B-845E-C39B79FC07D9}" type="datetimeFigureOut">
               <a:rPr lang="en-US" smtClean="0"/>
-              <a:t>5/1/15</a:t>
+              <a:t>5/4/15</a:t>
             </a:fld>
             <a:endParaRPr lang="en-US"/>
           </a:p>
@@ -809,7 +809,7 @@
           <a:p>
             <a:fld id="{672F54A9-AF41-AF4B-845E-C39B79FC07D9}" type="datetimeFigureOut">
               <a:rPr lang="en-US" smtClean="0"/>
-              <a:t>5/1/15</a:t>
+              <a:t>5/4/15</a:t>
             </a:fld>
             <a:endParaRPr lang="en-US"/>
           </a:p>
@@ -1055,7 +1055,7 @@
           <a:p>
             <a:fld id="{672F54A9-AF41-AF4B-845E-C39B79FC07D9}" type="datetimeFigureOut">
               <a:rPr lang="en-US" smtClean="0"/>
-              <a:t>5/1/15</a:t>
+              <a:t>5/4/15</a:t>
             </a:fld>
             <a:endParaRPr lang="en-US"/>
           </a:p>
@@ -1343,7 +1343,7 @@
           <a:p>
             <a:fld id="{672F54A9-AF41-AF4B-845E-C39B79FC07D9}" type="datetimeFigureOut">
               <a:rPr lang="en-US" smtClean="0"/>
-              <a:t>5/1/15</a:t>
+              <a:t>5/4/15</a:t>
             </a:fld>
             <a:endParaRPr lang="en-US"/>
           </a:p>
@@ -1770,7 +1770,7 @@
           <a:p>
             <a:fld id="{672F54A9-AF41-AF4B-845E-C39B79FC07D9}" type="datetimeFigureOut">
               <a:rPr lang="en-US" smtClean="0"/>
-              <a:t>5/1/15</a:t>
+              <a:t>5/4/15</a:t>
             </a:fld>
             <a:endParaRPr lang="en-US"/>
           </a:p>
@@ -1888,7 +1888,7 @@
           <a:p>
             <a:fld id="{672F54A9-AF41-AF4B-845E-C39B79FC07D9}" type="datetimeFigureOut">
               <a:rPr lang="en-US" smtClean="0"/>
-              <a:t>5/1/15</a:t>
+              <a:t>5/4/15</a:t>
             </a:fld>
             <a:endParaRPr lang="en-US"/>
           </a:p>
@@ -1983,7 +1983,7 @@
           <a:p>
             <a:fld id="{672F54A9-AF41-AF4B-845E-C39B79FC07D9}" type="datetimeFigureOut">
               <a:rPr lang="en-US" smtClean="0"/>
-              <a:t>5/1/15</a:t>
+              <a:t>5/4/15</a:t>
             </a:fld>
             <a:endParaRPr lang="en-US"/>
           </a:p>
@@ -2260,7 +2260,7 @@
           <a:p>
             <a:fld id="{672F54A9-AF41-AF4B-845E-C39B79FC07D9}" type="datetimeFigureOut">
               <a:rPr lang="en-US" smtClean="0"/>
-              <a:t>5/1/15</a:t>
+              <a:t>5/4/15</a:t>
             </a:fld>
             <a:endParaRPr lang="en-US"/>
           </a:p>
@@ -2513,7 +2513,7 @@
           <a:p>
             <a:fld id="{672F54A9-AF41-AF4B-845E-C39B79FC07D9}" type="datetimeFigureOut">
               <a:rPr lang="en-US" smtClean="0"/>
-              <a:t>5/1/15</a:t>
+              <a:t>5/4/15</a:t>
             </a:fld>
             <a:endParaRPr lang="en-US"/>
           </a:p>
@@ -2726,7 +2726,7 @@
           <a:p>
             <a:fld id="{672F54A9-AF41-AF4B-845E-C39B79FC07D9}" type="datetimeFigureOut">
               <a:rPr lang="en-US" smtClean="0"/>
-              <a:t>5/1/15</a:t>
+              <a:t>5/4/15</a:t>
             </a:fld>
             <a:endParaRPr lang="en-US"/>
           </a:p>
@@ -3161,22 +3161,14 @@
             <a:pPr algn="ctr"/>
             <a:r>
               <a:rPr lang="en-US" sz="1700" b="1" dirty="0" smtClean="0"/>
-              <a:t>Minimum Core Masses for Giant Planet </a:t>
-            </a:r>
-            <a:r>
-              <a:rPr lang="en-US" sz="1700" b="1" dirty="0" smtClean="0"/>
-              <a:t>Formation</a:t>
+              <a:t>Minimum Core Masses for Giant Planet Formation</a:t>
             </a:r>
           </a:p>
           <a:p>
             <a:pPr algn="ctr"/>
             <a:r>
               <a:rPr lang="en-US" sz="1700" dirty="0" smtClean="0"/>
-              <a:t>Piso</a:t>
-            </a:r>
-            <a:r>
-              <a:rPr lang="en-US" sz="1700" dirty="0" smtClean="0"/>
-              <a:t>, </a:t>
+              <a:t>Piso, </a:t>
             </a:r>
             <a:r>
               <a:rPr lang="en-US" sz="1700" dirty="0" err="1" smtClean="0"/>
@@ -3192,11 +3184,7 @@
             </a:r>
             <a:r>
               <a:rPr lang="en-US" sz="1700" dirty="0" smtClean="0"/>
-              <a:t>, 2015, </a:t>
-            </a:r>
-            <a:r>
-              <a:rPr lang="en-US" sz="1700" dirty="0" smtClean="0"/>
-              <a:t>800, 82) </a:t>
+              <a:t>, 2015, 800, 82) </a:t>
             </a:r>
           </a:p>
           <a:p>
@@ -3461,11 +3449,7 @@
               </a:r>
               <a:r>
                 <a:rPr lang="en-US" sz="1200" b="1" dirty="0" smtClean="0"/>
-                <a:t>fixed </a:t>
-              </a:r>
-              <a:r>
-                <a:rPr lang="en-US" sz="1200" b="1" dirty="0" smtClean="0"/>
-                <a:t>mass</a:t>
+                <a:t>fixed mass</a:t>
               </a:r>
             </a:p>
             <a:p>
@@ -3759,11 +3743,7 @@
               </a:r>
               <a:r>
                 <a:rPr lang="en-US" sz="1400" dirty="0" smtClean="0"/>
-                <a:t>  </a:t>
-              </a:r>
-              <a:r>
-                <a:rPr lang="en-US" sz="1400" dirty="0" smtClean="0"/>
-                <a:t>relates </a:t>
+                <a:t>  relates </a:t>
               </a:r>
               <a:r>
                 <a:rPr lang="en-US" sz="1400" b="1" dirty="0" smtClean="0">
@@ -3974,11 +3954,6 @@
               </a:rPr>
               <a:t>DUST OPACITY</a:t>
             </a:r>
-            <a:endParaRPr lang="en-US" sz="1450" b="1" dirty="0">
-              <a:solidFill>
-                <a:srgbClr val="008000"/>
-              </a:solidFill>
-            </a:endParaRPr>
           </a:p>
         </p:txBody>
       </p:sp>
@@ -4138,11 +4113,7 @@
             </a:r>
             <a:r>
               <a:rPr lang="en-US" sz="1250" dirty="0" smtClean="0"/>
-              <a:t> </a:t>
-            </a:r>
-            <a:r>
-              <a:rPr lang="en-US" sz="1250" dirty="0" smtClean="0"/>
-              <a:t>and       </a:t>
+              <a:t> and       </a:t>
             </a:r>
             <a:r>
               <a:rPr lang="en-US" sz="1250" dirty="0" smtClean="0">
@@ -4158,19 +4129,11 @@
             </a:r>
             <a:r>
               <a:rPr lang="en-US" sz="1250" dirty="0" smtClean="0"/>
-              <a:t>in</a:t>
-            </a:r>
-            <a:r>
-              <a:rPr lang="en-US" sz="1250" dirty="0" smtClean="0"/>
-              <a:t> </a:t>
+              <a:t>in </a:t>
             </a:r>
             <a:r>
               <a:rPr lang="en-US" sz="1250" b="1" dirty="0" smtClean="0"/>
-              <a:t>thermal </a:t>
-            </a:r>
-            <a:r>
-              <a:rPr lang="en-US" sz="1250" b="1" dirty="0" smtClean="0"/>
-              <a:t>equilibrium </a:t>
+              <a:t>thermal equilibrium </a:t>
             </a:r>
             <a:r>
               <a:rPr lang="en-US" sz="1250" dirty="0" smtClean="0"/>
@@ -4954,6 +4917,82 @@
           </a:p>
         </p:txBody>
       </p:sp>
+      <p:sp>
+        <p:nvSpPr>
+          <p:cNvPr id="45" name="TextBox 44"/>
+          <p:cNvSpPr txBox="1"/>
+          <p:nvPr/>
+        </p:nvSpPr>
+        <p:spPr>
+          <a:xfrm>
+            <a:off x="1207085" y="3123625"/>
+            <a:ext cx="719883" cy="230832"/>
+          </a:xfrm>
+          <a:prstGeom prst="rect">
+            <a:avLst/>
+          </a:prstGeom>
+          <a:noFill/>
+        </p:spPr>
+        <p:txBody>
+          <a:bodyPr wrap="square" rtlCol="0">
+            <a:spAutoFit/>
+          </a:bodyPr>
+          <a:lstStyle/>
+          <a:p>
+            <a:r>
+              <a:rPr lang="en-US" sz="900" dirty="0" smtClean="0">
+                <a:solidFill>
+                  <a:srgbClr val="000000"/>
+                </a:solidFill>
+              </a:rPr>
+              <a:t>Convective</a:t>
+            </a:r>
+            <a:endParaRPr lang="en-US" sz="900" dirty="0">
+              <a:solidFill>
+                <a:srgbClr val="000000"/>
+              </a:solidFill>
+            </a:endParaRPr>
+          </a:p>
+        </p:txBody>
+      </p:sp>
+      <p:sp>
+        <p:nvSpPr>
+          <p:cNvPr id="49" name="TextBox 48"/>
+          <p:cNvSpPr txBox="1"/>
+          <p:nvPr/>
+        </p:nvSpPr>
+        <p:spPr>
+          <a:xfrm>
+            <a:off x="1918434" y="3120592"/>
+            <a:ext cx="709214" cy="230832"/>
+          </a:xfrm>
+          <a:prstGeom prst="rect">
+            <a:avLst/>
+          </a:prstGeom>
+          <a:noFill/>
+        </p:spPr>
+        <p:txBody>
+          <a:bodyPr wrap="square" rtlCol="0">
+            <a:spAutoFit/>
+          </a:bodyPr>
+          <a:lstStyle/>
+          <a:p>
+            <a:r>
+              <a:rPr lang="en-US" sz="900" dirty="0" err="1" smtClean="0">
+                <a:solidFill>
+                  <a:srgbClr val="000000"/>
+                </a:solidFill>
+              </a:rPr>
+              <a:t>Radiative</a:t>
+            </a:r>
+            <a:endParaRPr lang="en-US" sz="900" dirty="0">
+              <a:solidFill>
+                <a:srgbClr val="000000"/>
+              </a:solidFill>
+            </a:endParaRPr>
+          </a:p>
+        </p:txBody>
+      </p:sp>
     </p:spTree>
     <p:extLst>
       <p:ext uri="{BB962C8B-B14F-4D97-AF65-F5344CB8AC3E}">
@@ -5128,15 +5167,7 @@
             <a:pPr algn="just"/>
             <a:r>
               <a:rPr lang="en-US" sz="1600" dirty="0" smtClean="0"/>
-              <a:t>Variations in the adiabatic </a:t>
-            </a:r>
-            <a:r>
-              <a:rPr lang="en-US" sz="1600" dirty="0" smtClean="0"/>
-              <a:t>gradient due </a:t>
-            </a:r>
-            <a:r>
-              <a:rPr lang="en-US" sz="1600" dirty="0" smtClean="0"/>
-              <a:t>to </a:t>
+              <a:t>Variations in the adiabatic gradient due to </a:t>
             </a:r>
             <a:r>
               <a:rPr lang="en-US" sz="1600" b="1" dirty="0" smtClean="0"/>
@@ -5148,15 +5179,7 @@
             </a:r>
             <a:r>
               <a:rPr lang="en-US" sz="1600" b="1" dirty="0" smtClean="0"/>
-              <a:t>variable </a:t>
-            </a:r>
-            <a:r>
-              <a:rPr lang="en-US" sz="1600" b="1" dirty="0" smtClean="0"/>
-              <a:t>occupation of H2 </a:t>
-            </a:r>
-            <a:r>
-              <a:rPr lang="en-US" sz="1600" b="1" dirty="0" smtClean="0"/>
-              <a:t>rotational states </a:t>
+              <a:t>variable occupation of H2 rotational states </a:t>
             </a:r>
             <a:r>
               <a:rPr lang="en-US" sz="1600" dirty="0" smtClean="0">
@@ -5168,11 +5191,7 @@
             </a:r>
             <a:r>
               <a:rPr lang="en-US" sz="1600" dirty="0" smtClean="0"/>
-              <a:t> </a:t>
-            </a:r>
-            <a:r>
-              <a:rPr lang="en-US" sz="1600" dirty="0" smtClean="0"/>
-              <a:t>the atmospheric evolutionary time when compared to an ideal gas </a:t>
+              <a:t> the atmospheric evolutionary time when compared to an ideal gas </a:t>
             </a:r>
             <a:r>
               <a:rPr lang="en-US" sz="1600" dirty="0" err="1" smtClean="0"/>
@@ -5428,15 +5447,7 @@
                   <a:srgbClr val="800080"/>
                 </a:solidFill>
               </a:rPr>
-              <a:t>p = </a:t>
-            </a:r>
-            <a:r>
-              <a:rPr lang="en-US" sz="1600" dirty="0" smtClean="0">
-                <a:solidFill>
-                  <a:srgbClr val="800080"/>
-                </a:solidFill>
-              </a:rPr>
-              <a:t>3.5</a:t>
+              <a:t>p = 3.5</a:t>
             </a:r>
             <a:endParaRPr lang="en-US" sz="1600" dirty="0" smtClean="0"/>
           </a:p>
@@ -5447,15 +5458,7 @@
                   <a:srgbClr val="008000"/>
                 </a:solidFill>
               </a:rPr>
-              <a:t>max</a:t>
-            </a:r>
-            <a:r>
-              <a:rPr lang="en-US" sz="1600" dirty="0" smtClean="0">
-                <a:solidFill>
-                  <a:srgbClr val="008000"/>
-                </a:solidFill>
-              </a:rPr>
-              <a:t>. particle size = 1 cm</a:t>
+              <a:t>max. particle size = 1 cm</a:t>
             </a:r>
             <a:r>
               <a:rPr lang="en-US" sz="1600" dirty="0" smtClean="0"/>
@@ -5482,7 +5485,6 @@
               <a:rPr lang="en-US" sz="1600" dirty="0" smtClean="0"/>
               <a:t>is </a:t>
             </a:r>
-            <a:endParaRPr lang="en-US" sz="1600" dirty="0" smtClean="0"/>
           </a:p>
           <a:p>
             <a:r>
@@ -5491,33 +5493,17 @@
                   <a:srgbClr val="0000FF"/>
                 </a:solidFill>
               </a:rPr>
-              <a:t>  ~</a:t>
-            </a:r>
+              <a:t>  ~8 M_E @ 5 AU</a:t>
+            </a:r>
+          </a:p>
+          <a:p>
             <a:r>
               <a:rPr lang="en-US" sz="2000" dirty="0" smtClean="0">
                 <a:solidFill>
                   <a:srgbClr val="0000FF"/>
                 </a:solidFill>
               </a:rPr>
-              <a:t>8 M_E @ 5 AU</a:t>
-            </a:r>
-          </a:p>
-          <a:p>
-            <a:r>
-              <a:rPr lang="en-US" sz="2000" dirty="0" smtClean="0">
-                <a:solidFill>
-                  <a:srgbClr val="0000FF"/>
-                </a:solidFill>
-              </a:rPr>
-              <a:t>  ~</a:t>
-            </a:r>
-            <a:r>
-              <a:rPr lang="en-US" sz="2000" dirty="0" smtClean="0">
-                <a:solidFill>
-                  <a:srgbClr val="0000FF"/>
-                </a:solidFill>
-              </a:rPr>
-              <a:t>5 M_E @100 AU</a:t>
+              <a:t>  ~5 M_E @100 AU</a:t>
             </a:r>
           </a:p>
           <a:p>
@@ -5562,15 +5548,7 @@
                   <a:srgbClr val="FF8C00"/>
                 </a:solidFill>
               </a:rPr>
-              <a:t>p </a:t>
-            </a:r>
-            <a:r>
-              <a:rPr lang="en-US" sz="1600" dirty="0" smtClean="0">
-                <a:solidFill>
-                  <a:srgbClr val="FF8C00"/>
-                </a:solidFill>
-              </a:rPr>
-              <a:t>= 2.5</a:t>
+              <a:t>p = 2.5</a:t>
             </a:r>
             <a:r>
               <a:rPr lang="en-US" sz="1600" dirty="0" smtClean="0"/>
